--- a/G2M_Cabs/old/Presentation_EDA-Cab.pptx
+++ b/G2M_Cabs/old/Presentation_EDA-Cab.pptx
@@ -4,6 +4,9 @@
   <p:sldMasterIdLst>
     <p:sldMasterId id="2147483684" r:id="rId1"/>
   </p:sldMasterIdLst>
+  <p:notesMasterIdLst>
+    <p:notesMasterId r:id="rId20"/>
+  </p:notesMasterIdLst>
   <p:sldIdLst>
     <p:sldId id="256" r:id="rId2"/>
     <p:sldId id="267" r:id="rId3"/>
@@ -132,13 +135,195 @@
 <file path=ppt/revisionInfo.xml><?xml version="1.0" encoding="utf-8"?>
 <p1510:revInfo xmlns:a="http://schemas.openxmlformats.org/drawingml/2006/main" xmlns:r="http://schemas.openxmlformats.org/officeDocument/2006/relationships" xmlns:p1510="http://schemas.microsoft.com/office/powerpoint/2015/10/main">
   <p1510:revLst>
-    <p1510:client id="{CE0CDD7B-C3A1-414A-9816-595488E1E4B6}" v="91" dt="2021-03-06T22:57:49.597"/>
+    <p1510:client id="{6F86E068-8AAC-44F8-AFA9-D35EEACD5653}" v="104" dt="2021-03-11T19:26:30.600"/>
   </p1510:revLst>
 </p1510:revInfo>
 </file>
 
 <file path=ppt/changesInfos/changesInfo1.xml><?xml version="1.0" encoding="utf-8"?>
 <pc:chgInfo xmlns:a="http://schemas.openxmlformats.org/drawingml/2006/main" xmlns:r="http://schemas.openxmlformats.org/officeDocument/2006/relationships" xmlns:ac="http://schemas.microsoft.com/office/drawing/2013/main/command" xmlns:pc="http://schemas.microsoft.com/office/powerpoint/2013/main/command">
+  <pc:docChgLst>
+    <pc:chgData name="Roger Burek-Bors" userId="52318fc02a824a34" providerId="LiveId" clId="{6F86E068-8AAC-44F8-AFA9-D35EEACD5653}"/>
+    <pc:docChg chg="undo custSel modSld">
+      <pc:chgData name="Roger Burek-Bors" userId="52318fc02a824a34" providerId="LiveId" clId="{6F86E068-8AAC-44F8-AFA9-D35EEACD5653}" dt="2021-03-11T19:35:55.876" v="636" actId="6549"/>
+      <pc:docMkLst>
+        <pc:docMk/>
+      </pc:docMkLst>
+      <pc:sldChg chg="modSp mod">
+        <pc:chgData name="Roger Burek-Bors" userId="52318fc02a824a34" providerId="LiveId" clId="{6F86E068-8AAC-44F8-AFA9-D35EEACD5653}" dt="2021-03-11T17:41:05.254" v="96" actId="790"/>
+        <pc:sldMkLst>
+          <pc:docMk/>
+          <pc:sldMk cId="109857222" sldId="256"/>
+        </pc:sldMkLst>
+        <pc:spChg chg="mod">
+          <ac:chgData name="Roger Burek-Bors" userId="52318fc02a824a34" providerId="LiveId" clId="{6F86E068-8AAC-44F8-AFA9-D35EEACD5653}" dt="2021-03-11T17:41:05.254" v="96" actId="790"/>
+          <ac:spMkLst>
+            <pc:docMk/>
+            <pc:sldMk cId="109857222" sldId="256"/>
+            <ac:spMk id="11" creationId="{00CC22B5-8500-2C45-91DE-A596A6DF1C3B}"/>
+          </ac:spMkLst>
+        </pc:spChg>
+      </pc:sldChg>
+      <pc:sldChg chg="addSp delSp modSp mod">
+        <pc:chgData name="Roger Burek-Bors" userId="52318fc02a824a34" providerId="LiveId" clId="{6F86E068-8AAC-44F8-AFA9-D35EEACD5653}" dt="2021-03-11T19:08:34.666" v="305" actId="1076"/>
+        <pc:sldMkLst>
+          <pc:docMk/>
+          <pc:sldMk cId="116821060" sldId="268"/>
+        </pc:sldMkLst>
+        <pc:spChg chg="add del mod">
+          <ac:chgData name="Roger Burek-Bors" userId="52318fc02a824a34" providerId="LiveId" clId="{6F86E068-8AAC-44F8-AFA9-D35EEACD5653}" dt="2021-03-11T19:08:34.666" v="305" actId="1076"/>
+          <ac:spMkLst>
+            <pc:docMk/>
+            <pc:sldMk cId="116821060" sldId="268"/>
+            <ac:spMk id="2" creationId="{E8B8F26E-9345-4747-9094-972E38700A17}"/>
+          </ac:spMkLst>
+        </pc:spChg>
+      </pc:sldChg>
+      <pc:sldChg chg="modSp mod">
+        <pc:chgData name="Roger Burek-Bors" userId="52318fc02a824a34" providerId="LiveId" clId="{6F86E068-8AAC-44F8-AFA9-D35EEACD5653}" dt="2021-03-11T19:16:34.577" v="383" actId="790"/>
+        <pc:sldMkLst>
+          <pc:docMk/>
+          <pc:sldMk cId="1899016330" sldId="269"/>
+        </pc:sldMkLst>
+        <pc:spChg chg="mod">
+          <ac:chgData name="Roger Burek-Bors" userId="52318fc02a824a34" providerId="LiveId" clId="{6F86E068-8AAC-44F8-AFA9-D35EEACD5653}" dt="2021-03-11T19:16:34.577" v="383" actId="790"/>
+          <ac:spMkLst>
+            <pc:docMk/>
+            <pc:sldMk cId="1899016330" sldId="269"/>
+            <ac:spMk id="3" creationId="{CDC6F948-2F33-47A0-AE55-62E355ACC532}"/>
+          </ac:spMkLst>
+        </pc:spChg>
+      </pc:sldChg>
+      <pc:sldChg chg="modSp mod">
+        <pc:chgData name="Roger Burek-Bors" userId="52318fc02a824a34" providerId="LiveId" clId="{6F86E068-8AAC-44F8-AFA9-D35EEACD5653}" dt="2021-03-11T19:32:59.846" v="544" actId="790"/>
+        <pc:sldMkLst>
+          <pc:docMk/>
+          <pc:sldMk cId="4200854336" sldId="272"/>
+        </pc:sldMkLst>
+        <pc:spChg chg="mod">
+          <ac:chgData name="Roger Burek-Bors" userId="52318fc02a824a34" providerId="LiveId" clId="{6F86E068-8AAC-44F8-AFA9-D35EEACD5653}" dt="2021-03-11T19:32:59.846" v="544" actId="790"/>
+          <ac:spMkLst>
+            <pc:docMk/>
+            <pc:sldMk cId="4200854336" sldId="272"/>
+            <ac:spMk id="4" creationId="{F0FEE1CD-BF08-48FA-8526-5BEB92660675}"/>
+          </ac:spMkLst>
+        </pc:spChg>
+      </pc:sldChg>
+      <pc:sldChg chg="modSp mod">
+        <pc:chgData name="Roger Burek-Bors" userId="52318fc02a824a34" providerId="LiveId" clId="{6F86E068-8AAC-44F8-AFA9-D35EEACD5653}" dt="2021-03-11T19:09:39.378" v="327" actId="313"/>
+        <pc:sldMkLst>
+          <pc:docMk/>
+          <pc:sldMk cId="481083618" sldId="274"/>
+        </pc:sldMkLst>
+        <pc:spChg chg="mod">
+          <ac:chgData name="Roger Burek-Bors" userId="52318fc02a824a34" providerId="LiveId" clId="{6F86E068-8AAC-44F8-AFA9-D35EEACD5653}" dt="2021-03-11T19:09:39.378" v="327" actId="313"/>
+          <ac:spMkLst>
+            <pc:docMk/>
+            <pc:sldMk cId="481083618" sldId="274"/>
+            <ac:spMk id="3" creationId="{CDC6F948-2F33-47A0-AE55-62E355ACC532}"/>
+          </ac:spMkLst>
+        </pc:spChg>
+      </pc:sldChg>
+      <pc:sldChg chg="modSp mod">
+        <pc:chgData name="Roger Burek-Bors" userId="52318fc02a824a34" providerId="LiveId" clId="{6F86E068-8AAC-44F8-AFA9-D35EEACD5653}" dt="2021-03-11T19:32:48.687" v="543" actId="790"/>
+        <pc:sldMkLst>
+          <pc:docMk/>
+          <pc:sldMk cId="3679507724" sldId="278"/>
+        </pc:sldMkLst>
+        <pc:spChg chg="mod">
+          <ac:chgData name="Roger Burek-Bors" userId="52318fc02a824a34" providerId="LiveId" clId="{6F86E068-8AAC-44F8-AFA9-D35EEACD5653}" dt="2021-03-11T19:32:48.687" v="543" actId="790"/>
+          <ac:spMkLst>
+            <pc:docMk/>
+            <pc:sldMk cId="3679507724" sldId="278"/>
+            <ac:spMk id="4" creationId="{F0FEE1CD-BF08-48FA-8526-5BEB92660675}"/>
+          </ac:spMkLst>
+        </pc:spChg>
+      </pc:sldChg>
+      <pc:sldChg chg="modSp mod">
+        <pc:chgData name="Roger Burek-Bors" userId="52318fc02a824a34" providerId="LiveId" clId="{6F86E068-8AAC-44F8-AFA9-D35EEACD5653}" dt="2021-03-11T19:32:39.802" v="542" actId="790"/>
+        <pc:sldMkLst>
+          <pc:docMk/>
+          <pc:sldMk cId="2898413202" sldId="279"/>
+        </pc:sldMkLst>
+        <pc:spChg chg="mod">
+          <ac:chgData name="Roger Burek-Bors" userId="52318fc02a824a34" providerId="LiveId" clId="{6F86E068-8AAC-44F8-AFA9-D35EEACD5653}" dt="2021-03-11T19:32:39.802" v="542" actId="790"/>
+          <ac:spMkLst>
+            <pc:docMk/>
+            <pc:sldMk cId="2898413202" sldId="279"/>
+            <ac:spMk id="4" creationId="{F0FEE1CD-BF08-48FA-8526-5BEB92660675}"/>
+          </ac:spMkLst>
+        </pc:spChg>
+      </pc:sldChg>
+      <pc:sldChg chg="modSp mod">
+        <pc:chgData name="Roger Burek-Bors" userId="52318fc02a824a34" providerId="LiveId" clId="{6F86E068-8AAC-44F8-AFA9-D35EEACD5653}" dt="2021-03-11T19:32:29.618" v="541" actId="790"/>
+        <pc:sldMkLst>
+          <pc:docMk/>
+          <pc:sldMk cId="1290289446" sldId="280"/>
+        </pc:sldMkLst>
+        <pc:spChg chg="mod">
+          <ac:chgData name="Roger Burek-Bors" userId="52318fc02a824a34" providerId="LiveId" clId="{6F86E068-8AAC-44F8-AFA9-D35EEACD5653}" dt="2021-03-11T19:32:29.618" v="541" actId="790"/>
+          <ac:spMkLst>
+            <pc:docMk/>
+            <pc:sldMk cId="1290289446" sldId="280"/>
+            <ac:spMk id="4" creationId="{F0FEE1CD-BF08-48FA-8526-5BEB92660675}"/>
+          </ac:spMkLst>
+        </pc:spChg>
+      </pc:sldChg>
+      <pc:sldChg chg="modSp mod">
+        <pc:chgData name="Roger Burek-Bors" userId="52318fc02a824a34" providerId="LiveId" clId="{6F86E068-8AAC-44F8-AFA9-D35EEACD5653}" dt="2021-03-11T19:32:13.714" v="540" actId="790"/>
+        <pc:sldMkLst>
+          <pc:docMk/>
+          <pc:sldMk cId="3626305797" sldId="281"/>
+        </pc:sldMkLst>
+        <pc:spChg chg="mod">
+          <ac:chgData name="Roger Burek-Bors" userId="52318fc02a824a34" providerId="LiveId" clId="{6F86E068-8AAC-44F8-AFA9-D35EEACD5653}" dt="2021-03-11T19:32:13.714" v="540" actId="790"/>
+          <ac:spMkLst>
+            <pc:docMk/>
+            <pc:sldMk cId="3626305797" sldId="281"/>
+            <ac:spMk id="4" creationId="{F0FEE1CD-BF08-48FA-8526-5BEB92660675}"/>
+          </ac:spMkLst>
+        </pc:spChg>
+      </pc:sldChg>
+      <pc:sldChg chg="modSp mod">
+        <pc:chgData name="Roger Burek-Bors" userId="52318fc02a824a34" providerId="LiveId" clId="{6F86E068-8AAC-44F8-AFA9-D35EEACD5653}" dt="2021-03-11T19:34:18.717" v="575" actId="790"/>
+        <pc:sldMkLst>
+          <pc:docMk/>
+          <pc:sldMk cId="414061104" sldId="282"/>
+        </pc:sldMkLst>
+        <pc:spChg chg="mod">
+          <ac:chgData name="Roger Burek-Bors" userId="52318fc02a824a34" providerId="LiveId" clId="{6F86E068-8AAC-44F8-AFA9-D35EEACD5653}" dt="2021-03-11T19:34:18.717" v="575" actId="790"/>
+          <ac:spMkLst>
+            <pc:docMk/>
+            <pc:sldMk cId="414061104" sldId="282"/>
+            <ac:spMk id="4" creationId="{F0FEE1CD-BF08-48FA-8526-5BEB92660675}"/>
+          </ac:spMkLst>
+        </pc:spChg>
+        <pc:graphicFrameChg chg="mod">
+          <ac:chgData name="Roger Burek-Bors" userId="52318fc02a824a34" providerId="LiveId" clId="{6F86E068-8AAC-44F8-AFA9-D35EEACD5653}" dt="2021-03-11T19:22:28.351" v="390" actId="14100"/>
+          <ac:graphicFrameMkLst>
+            <pc:docMk/>
+            <pc:sldMk cId="414061104" sldId="282"/>
+            <ac:graphicFrameMk id="6" creationId="{0C73F6A4-BD75-466A-91C4-DC593C0E3E0D}"/>
+          </ac:graphicFrameMkLst>
+        </pc:graphicFrameChg>
+      </pc:sldChg>
+      <pc:sldChg chg="modSp mod">
+        <pc:chgData name="Roger Burek-Bors" userId="52318fc02a824a34" providerId="LiveId" clId="{6F86E068-8AAC-44F8-AFA9-D35EEACD5653}" dt="2021-03-11T19:35:55.876" v="636" actId="6549"/>
+        <pc:sldMkLst>
+          <pc:docMk/>
+          <pc:sldMk cId="2824837901" sldId="283"/>
+        </pc:sldMkLst>
+        <pc:spChg chg="mod">
+          <ac:chgData name="Roger Burek-Bors" userId="52318fc02a824a34" providerId="LiveId" clId="{6F86E068-8AAC-44F8-AFA9-D35EEACD5653}" dt="2021-03-11T19:35:55.876" v="636" actId="6549"/>
+          <ac:spMkLst>
+            <pc:docMk/>
+            <pc:sldMk cId="2824837901" sldId="283"/>
+            <ac:spMk id="3" creationId="{CDC6F948-2F33-47A0-AE55-62E355ACC532}"/>
+          </ac:spMkLst>
+        </pc:spChg>
+      </pc:sldChg>
+    </pc:docChg>
+  </pc:docChgLst>
   <pc:docChgLst>
     <pc:chgData name="Roger Burek-Bors" userId="52318fc02a824a34" providerId="LiveId" clId="{CE0CDD7B-C3A1-414A-9816-595488E1E4B6}"/>
     <pc:docChg chg="undo custSel addSld modSld">
@@ -797,7 +982,7 @@
               <a:cs typeface="+mn-cs"/>
             </a:defRPr>
           </a:pPr>
-          <a:endParaRPr lang="pl-PL"/>
+          <a:endParaRPr lang="en-US"/>
         </a:p>
       </c:txPr>
     </c:title>
@@ -894,6 +1079,11 @@
                 </a:contourClr>
               </a:sp3d>
             </c:spPr>
+            <c:extLst>
+              <c:ext xmlns:c16="http://schemas.microsoft.com/office/drawing/2014/chart" uri="{C3380CC4-5D6E-409C-BE32-E72D297353CC}">
+                <c16:uniqueId val="{00000001-F3ED-4F03-9F34-3753AAE90BAE}"/>
+              </c:ext>
+            </c:extLst>
           </c:dPt>
           <c:dPt>
             <c:idx val="1"/>
@@ -930,6 +1120,11 @@
                 </a:contourClr>
               </a:sp3d>
             </c:spPr>
+            <c:extLst>
+              <c:ext xmlns:c16="http://schemas.microsoft.com/office/drawing/2014/chart" uri="{C3380CC4-5D6E-409C-BE32-E72D297353CC}">
+                <c16:uniqueId val="{00000002-F3ED-4F03-9F34-3753AAE90BAE}"/>
+              </c:ext>
+            </c:extLst>
           </c:dPt>
           <c:dLbls>
             <c:dLbl>
@@ -972,7 +1167,7 @@
                       <a:cs typeface="+mn-cs"/>
                     </a:defRPr>
                   </a:pPr>
-                  <a:endParaRPr lang="pl-PL"/>
+                  <a:endParaRPr lang="en-US"/>
                 </a:p>
               </c:txPr>
               <c:dLblPos val="inEnd"/>
@@ -1028,7 +1223,7 @@
                       <a:cs typeface="+mn-cs"/>
                     </a:defRPr>
                   </a:pPr>
-                  <a:endParaRPr lang="pl-PL"/>
+                  <a:endParaRPr lang="en-US"/>
                 </a:p>
               </c:txPr>
               <c:dLblPos val="inEnd"/>
@@ -1044,6 +1239,27 @@
                 </c:ext>
               </c:extLst>
             </c:dLbl>
+            <c:spPr>
+              <a:solidFill>
+                <a:prstClr val="white">
+                  <a:alpha val="90000"/>
+                </a:prstClr>
+              </a:solidFill>
+              <a:ln w="12700" cap="flat" cmpd="sng" algn="ctr">
+                <a:solidFill>
+                  <a:srgbClr val="4472C4"/>
+                </a:solidFill>
+                <a:round/>
+              </a:ln>
+              <a:effectLst>
+                <a:outerShdw blurRad="50800" dist="38100" dir="2700000" algn="tl" rotWithShape="0">
+                  <a:srgbClr val="4472C4">
+                    <a:lumMod val="75000"/>
+                    <a:alpha val="40000"/>
+                  </a:srgbClr>
+                </a:outerShdw>
+              </a:effectLst>
+            </c:spPr>
             <c:dLblPos val="inEnd"/>
             <c:showLegendKey val="0"/>
             <c:showVal val="0"/>
@@ -1148,7 +1364,7 @@
       <a:pPr>
         <a:defRPr/>
       </a:pPr>
-      <a:endParaRPr lang="pl-PL"/>
+      <a:endParaRPr lang="en-US"/>
     </a:p>
   </c:txPr>
   <c:externalData r:id="rId3">
@@ -1164,10 +1380,10 @@
   <c:roundedCorners val="0"/>
   <mc:AlternateContent xmlns:mc="http://schemas.openxmlformats.org/markup-compatibility/2006">
     <mc:Choice xmlns:c14="http://schemas.microsoft.com/office/drawing/2007/8/2/chart" Requires="c14">
-      <c14:style val="106"/>
+      <c14:style val="102"/>
     </mc:Choice>
     <mc:Fallback>
-      <c:style val="6"/>
+      <c:style val="2"/>
     </mc:Fallback>
   </mc:AlternateContent>
   <c:chart>
@@ -1178,11 +1394,11 @@
           <a:lstStyle/>
           <a:p>
             <a:pPr>
-              <a:defRPr sz="1862" b="0" i="0" u="none" strike="noStrike" kern="1200" cap="none" spc="20" baseline="0">
+              <a:defRPr sz="1862" b="0" i="0" u="none" strike="noStrike" kern="1200" spc="0" baseline="0">
                 <a:solidFill>
-                  <a:schemeClr val="dk1">
-                    <a:lumMod val="50000"/>
-                    <a:lumOff val="50000"/>
+                  <a:schemeClr val="tx1">
+                    <a:lumMod val="65000"/>
+                    <a:lumOff val="35000"/>
                   </a:schemeClr>
                 </a:solidFill>
                 <a:latin typeface="+mn-lt"/>
@@ -1191,8 +1407,8 @@
               </a:defRPr>
             </a:pPr>
             <a:r>
-              <a:rPr lang="en-AU" noProof="0" dirty="0"/>
-              <a:t>Annual income per cab company (in $)</a:t>
+              <a:rPr lang="en-US"/>
+              <a:t>Annual income per cab company and forecast (in $)</a:t>
             </a:r>
           </a:p>
         </c:rich>
@@ -1210,11 +1426,11 @@
         <a:lstStyle/>
         <a:p>
           <a:pPr>
-            <a:defRPr sz="1862" b="0" i="0" u="none" strike="noStrike" kern="1200" cap="none" spc="20" baseline="0">
+            <a:defRPr sz="1862" b="0" i="0" u="none" strike="noStrike" kern="1200" spc="0" baseline="0">
               <a:solidFill>
-                <a:schemeClr val="dk1">
-                  <a:lumMod val="50000"/>
-                  <a:lumOff val="50000"/>
+                <a:schemeClr val="tx1">
+                  <a:lumMod val="65000"/>
+                  <a:lumOff val="35000"/>
                 </a:schemeClr>
               </a:solidFill>
               <a:latin typeface="+mn-lt"/>
@@ -1222,7 +1438,7 @@
               <a:cs typeface="+mn-cs"/>
             </a:defRPr>
           </a:pPr>
-          <a:endParaRPr lang="pl-PL"/>
+          <a:endParaRPr lang="en-US"/>
         </a:p>
       </c:txPr>
     </c:title>
@@ -1247,11 +1463,9 @@
             </c:strRef>
           </c:tx>
           <c:spPr>
-            <a:ln w="22225" cap="rnd" cmpd="sng" algn="ctr">
+            <a:ln w="28575" cap="rnd">
               <a:solidFill>
-                <a:schemeClr val="accent4">
-                  <a:shade val="76000"/>
-                </a:schemeClr>
+                <a:schemeClr val="accent1"/>
               </a:solidFill>
               <a:round/>
             </a:ln>
@@ -1277,9 +1491,9 @@
                 <a:pPr>
                   <a:defRPr sz="1197" b="0" i="0" u="none" strike="noStrike" kern="1200" baseline="0">
                     <a:solidFill>
-                      <a:schemeClr val="dk1">
-                        <a:lumMod val="65000"/>
-                        <a:lumOff val="35000"/>
+                      <a:schemeClr val="tx1">
+                        <a:lumMod val="75000"/>
+                        <a:lumOff val="25000"/>
                       </a:schemeClr>
                     </a:solidFill>
                     <a:latin typeface="+mn-lt"/>
@@ -1287,7 +1501,7 @@
                     <a:cs typeface="+mn-cs"/>
                   </a:defRPr>
                 </a:pPr>
-                <a:endParaRPr lang="pl-PL"/>
+                <a:endParaRPr lang="en-US"/>
               </a:p>
             </c:txPr>
             <c:dLblPos val="ctr"/>
@@ -1303,13 +1517,14 @@
                 <c15:showLeaderLines val="1"/>
                 <c15:leaderLines>
                   <c:spPr>
-                    <a:ln w="9525">
+                    <a:ln w="9525" cap="flat" cmpd="sng" algn="ctr">
                       <a:solidFill>
-                        <a:schemeClr val="dk1">
+                        <a:schemeClr val="tx1">
                           <a:lumMod val="35000"/>
                           <a:lumOff val="65000"/>
                         </a:schemeClr>
                       </a:solidFill>
+                      <a:round/>
                     </a:ln>
                     <a:effectLst/>
                   </c:spPr>
@@ -1319,16 +1534,16 @@
           </c:dLbls>
           <c:trendline>
             <c:spPr>
-              <a:ln w="9525" cap="rnd">
+              <a:ln w="19050" cap="rnd">
                 <a:solidFill>
-                  <a:schemeClr val="accent4">
-                    <a:shade val="76000"/>
-                  </a:schemeClr>
+                  <a:schemeClr val="accent1"/>
                 </a:solidFill>
+                <a:prstDash val="sysDot"/>
               </a:ln>
               <a:effectLst/>
             </c:spPr>
             <c:trendlineType val="linear"/>
+            <c:forward val="2"/>
             <c:dispRSqr val="0"/>
             <c:dispEq val="0"/>
           </c:trendline>
@@ -1354,7 +1569,7 @@
             <c:numRef>
               <c:f>Arkusz1!$B$2:$B$4</c:f>
               <c:numCache>
-                <c:formatCode>General</c:formatCode>
+                <c:formatCode>#,##0</c:formatCode>
                 <c:ptCount val="3"/>
                 <c:pt idx="0">
                   <c:v>38481133</c:v>
@@ -1390,11 +1605,9 @@
             </c:strRef>
           </c:tx>
           <c:spPr>
-            <a:ln w="22225" cap="rnd" cmpd="sng" algn="ctr">
+            <a:ln w="28575" cap="rnd">
               <a:solidFill>
-                <a:schemeClr val="accent4">
-                  <a:tint val="77000"/>
-                </a:schemeClr>
+                <a:schemeClr val="accent2"/>
               </a:solidFill>
               <a:round/>
             </a:ln>
@@ -1420,9 +1633,9 @@
                 <a:pPr>
                   <a:defRPr sz="1197" b="0" i="0" u="none" strike="noStrike" kern="1200" baseline="0">
                     <a:solidFill>
-                      <a:schemeClr val="dk1">
-                        <a:lumMod val="65000"/>
-                        <a:lumOff val="35000"/>
+                      <a:schemeClr val="tx1">
+                        <a:lumMod val="75000"/>
+                        <a:lumOff val="25000"/>
                       </a:schemeClr>
                     </a:solidFill>
                     <a:latin typeface="+mn-lt"/>
@@ -1430,7 +1643,7 @@
                     <a:cs typeface="+mn-cs"/>
                   </a:defRPr>
                 </a:pPr>
-                <a:endParaRPr lang="pl-PL"/>
+                <a:endParaRPr lang="en-US"/>
               </a:p>
             </c:txPr>
             <c:dLblPos val="ctr"/>
@@ -1446,13 +1659,14 @@
                 <c15:showLeaderLines val="1"/>
                 <c15:leaderLines>
                   <c:spPr>
-                    <a:ln w="9525">
+                    <a:ln w="9525" cap="flat" cmpd="sng" algn="ctr">
                       <a:solidFill>
-                        <a:schemeClr val="dk1">
+                        <a:schemeClr val="tx1">
                           <a:lumMod val="35000"/>
                           <a:lumOff val="65000"/>
                         </a:schemeClr>
                       </a:solidFill>
+                      <a:round/>
                     </a:ln>
                     <a:effectLst/>
                   </c:spPr>
@@ -1462,16 +1676,16 @@
           </c:dLbls>
           <c:trendline>
             <c:spPr>
-              <a:ln w="9525" cap="rnd">
+              <a:ln w="19050" cap="rnd">
                 <a:solidFill>
-                  <a:schemeClr val="accent4">
-                    <a:tint val="77000"/>
-                  </a:schemeClr>
+                  <a:schemeClr val="accent2"/>
                 </a:solidFill>
+                <a:prstDash val="sysDot"/>
               </a:ln>
               <a:effectLst/>
             </c:spPr>
             <c:trendlineType val="linear"/>
+            <c:forward val="2"/>
             <c:dispRSqr val="0"/>
             <c:dispEq val="0"/>
           </c:trendline>
@@ -1497,7 +1711,7 @@
             <c:numRef>
               <c:f>Arkusz1!$C$2:$C$4</c:f>
               <c:numCache>
-                <c:formatCode>General</c:formatCode>
+                <c:formatCode>#,##0</c:formatCode>
                 <c:ptCount val="3"/>
                 <c:pt idx="0">
                   <c:v>7908479</c:v>
@@ -1527,21 +1741,6 @@
           <c:showPercent val="0"/>
           <c:showBubbleSize val="0"/>
         </c:dLbls>
-        <c:dropLines>
-          <c:spPr>
-            <a:ln w="9525" cap="flat" cmpd="sng" algn="ctr">
-              <a:solidFill>
-                <a:schemeClr val="dk1">
-                  <a:lumMod val="35000"/>
-                  <a:lumOff val="65000"/>
-                  <a:alpha val="33000"/>
-                </a:schemeClr>
-              </a:solidFill>
-              <a:round/>
-            </a:ln>
-            <a:effectLst/>
-          </c:spPr>
-        </c:dropLines>
         <c:smooth val="0"/>
         <c:axId val="706244064"/>
         <c:axId val="706245728"/>
@@ -1561,7 +1760,7 @@
           <a:noFill/>
           <a:ln w="9525" cap="flat" cmpd="sng" algn="ctr">
             <a:solidFill>
-              <a:schemeClr val="dk1">
+              <a:schemeClr val="tx1">
                 <a:lumMod val="15000"/>
                 <a:lumOff val="85000"/>
               </a:schemeClr>
@@ -1575,9 +1774,9 @@
           <a:lstStyle/>
           <a:p>
             <a:pPr>
-              <a:defRPr sz="1197" b="0" i="0" u="none" strike="noStrike" kern="1200" spc="20" baseline="0">
+              <a:defRPr sz="1197" b="0" i="0" u="none" strike="noStrike" kern="1200" baseline="0">
                 <a:solidFill>
-                  <a:schemeClr val="dk1">
+                  <a:schemeClr val="tx1">
                     <a:lumMod val="65000"/>
                     <a:lumOff val="35000"/>
                   </a:schemeClr>
@@ -1587,7 +1786,7 @@
                 <a:cs typeface="+mn-cs"/>
               </a:defRPr>
             </a:pPr>
-            <a:endParaRPr lang="pl-PL"/>
+            <a:endParaRPr lang="en-US"/>
           </a:p>
         </c:txPr>
         <c:crossAx val="706245728"/>
@@ -1604,7 +1803,21 @@
         </c:scaling>
         <c:delete val="0"/>
         <c:axPos val="l"/>
-        <c:numFmt formatCode="General" sourceLinked="1"/>
+        <c:majorGridlines>
+          <c:spPr>
+            <a:ln w="9525" cap="flat" cmpd="sng" algn="ctr">
+              <a:solidFill>
+                <a:schemeClr val="tx1">
+                  <a:lumMod val="15000"/>
+                  <a:lumOff val="85000"/>
+                </a:schemeClr>
+              </a:solidFill>
+              <a:round/>
+            </a:ln>
+            <a:effectLst/>
+          </c:spPr>
+        </c:majorGridlines>
+        <c:numFmt formatCode="#,##0" sourceLinked="1"/>
         <c:majorTickMark val="none"/>
         <c:minorTickMark val="none"/>
         <c:tickLblPos val="nextTo"/>
@@ -1620,9 +1833,9 @@
           <a:lstStyle/>
           <a:p>
             <a:pPr>
-              <a:defRPr sz="1197" b="0" i="0" u="none" strike="noStrike" kern="1200" spc="20" baseline="0">
+              <a:defRPr sz="1197" b="0" i="0" u="none" strike="noStrike" kern="1200" baseline="0">
                 <a:solidFill>
-                  <a:schemeClr val="dk1">
+                  <a:schemeClr val="tx1">
                     <a:lumMod val="65000"/>
                     <a:lumOff val="35000"/>
                   </a:schemeClr>
@@ -1632,7 +1845,7 @@
                 <a:cs typeface="+mn-cs"/>
               </a:defRPr>
             </a:pPr>
-            <a:endParaRPr lang="pl-PL"/>
+            <a:endParaRPr lang="en-US"/>
           </a:p>
         </c:txPr>
         <c:crossAx val="706244064"/>
@@ -1640,19 +1853,7 @@
         <c:crossBetween val="between"/>
       </c:valAx>
       <c:spPr>
-        <a:gradFill>
-          <a:gsLst>
-            <a:gs pos="100000">
-              <a:schemeClr val="lt1">
-                <a:lumMod val="95000"/>
-              </a:schemeClr>
-            </a:gs>
-            <a:gs pos="0">
-              <a:schemeClr val="lt1"/>
-            </a:gs>
-          </a:gsLst>
-          <a:lin ang="5400000" scaled="0"/>
-        </a:gradFill>
+        <a:noFill/>
         <a:ln>
           <a:noFill/>
         </a:ln>
@@ -1676,7 +1877,7 @@
           <a:pPr>
             <a:defRPr sz="1197" b="0" i="0" u="none" strike="noStrike" kern="1200" baseline="0">
               <a:solidFill>
-                <a:schemeClr val="dk1">
+                <a:schemeClr val="tx1">
                   <a:lumMod val="65000"/>
                   <a:lumOff val="35000"/>
                 </a:schemeClr>
@@ -1686,7 +1887,7 @@
               <a:cs typeface="+mn-cs"/>
             </a:defRPr>
           </a:pPr>
-          <a:endParaRPr lang="pl-PL"/>
+          <a:endParaRPr lang="en-US"/>
         </a:p>
       </c:txPr>
     </c:legend>
@@ -1702,9 +1903,7 @@
     <c:showDLblsOverMax val="0"/>
   </c:chart>
   <c:spPr>
-    <a:solidFill>
-      <a:schemeClr val="lt1"/>
-    </a:solidFill>
+    <a:noFill/>
     <a:ln>
       <a:noFill/>
     </a:ln>
@@ -1717,12 +1916,13 @@
       <a:pPr>
         <a:defRPr/>
       </a:pPr>
-      <a:endParaRPr lang="pl-PL"/>
+      <a:endParaRPr lang="en-US"/>
     </a:p>
   </c:txPr>
   <c:externalData r:id="rId3">
     <c:autoUpdate val="0"/>
   </c:externalData>
+  <c:userShapes r:id="rId4"/>
 </c:chartSpace>
 </file>
 
@@ -1767,8 +1967,42 @@
 </file>
 
 <file path=ppt/charts/colors2.xml><?xml version="1.0" encoding="utf-8"?>
-<cs:colorStyle xmlns:cs="http://schemas.microsoft.com/office/drawing/2012/chartStyle" xmlns:a="http://schemas.openxmlformats.org/drawingml/2006/main" meth="withinLinear" id="17">
+<cs:colorStyle xmlns:cs="http://schemas.microsoft.com/office/drawing/2012/chartStyle" xmlns:a="http://schemas.openxmlformats.org/drawingml/2006/main" meth="cycle" id="10">
+  <a:schemeClr val="accent1"/>
+  <a:schemeClr val="accent2"/>
+  <a:schemeClr val="accent3"/>
   <a:schemeClr val="accent4"/>
+  <a:schemeClr val="accent5"/>
+  <a:schemeClr val="accent6"/>
+  <cs:variation/>
+  <cs:variation>
+    <a:lumMod val="60000"/>
+  </cs:variation>
+  <cs:variation>
+    <a:lumMod val="80000"/>
+    <a:lumOff val="20000"/>
+  </cs:variation>
+  <cs:variation>
+    <a:lumMod val="80000"/>
+  </cs:variation>
+  <cs:variation>
+    <a:lumMod val="60000"/>
+    <a:lumOff val="40000"/>
+  </cs:variation>
+  <cs:variation>
+    <a:lumMod val="50000"/>
+  </cs:variation>
+  <cs:variation>
+    <a:lumMod val="70000"/>
+    <a:lumOff val="30000"/>
+  </cs:variation>
+  <cs:variation>
+    <a:lumMod val="70000"/>
+  </cs:variation>
+  <cs:variation>
+    <a:lumMod val="50000"/>
+    <a:lumOff val="50000"/>
+  </cs:variation>
 </cs:colorStyle>
 </file>
 
@@ -2341,25 +2575,25 @@
 </file>
 
 <file path=ppt/charts/style2.xml><?xml version="1.0" encoding="utf-8"?>
-<cs:chartStyle xmlns:cs="http://schemas.microsoft.com/office/drawing/2012/chartStyle" xmlns:a="http://schemas.openxmlformats.org/drawingml/2006/main" id="230">
+<cs:chartStyle xmlns:cs="http://schemas.microsoft.com/office/drawing/2012/chartStyle" xmlns:a="http://schemas.openxmlformats.org/drawingml/2006/main" id="227">
   <cs:axisTitle>
     <cs:lnRef idx="0"/>
     <cs:fillRef idx="0"/>
     <cs:effectRef idx="0"/>
     <cs:fontRef idx="minor">
-      <a:schemeClr val="dk1">
+      <a:schemeClr val="tx1">
         <a:lumMod val="65000"/>
         <a:lumOff val="35000"/>
       </a:schemeClr>
     </cs:fontRef>
-    <cs:defRPr sz="1197" kern="1200" cap="all"/>
+    <cs:defRPr sz="1330" kern="1200"/>
   </cs:axisTitle>
   <cs:categoryAxis>
     <cs:lnRef idx="0"/>
     <cs:fillRef idx="0"/>
     <cs:effectRef idx="0"/>
     <cs:fontRef idx="minor">
-      <a:schemeClr val="dk1">
+      <a:schemeClr val="tx1">
         <a:lumMod val="65000"/>
         <a:lumOff val="35000"/>
       </a:schemeClr>
@@ -2367,30 +2601,7 @@
     <cs:spPr>
       <a:ln w="9525" cap="flat" cmpd="sng" algn="ctr">
         <a:solidFill>
-          <a:schemeClr val="dk1">
-            <a:lumMod val="15000"/>
-            <a:lumOff val="85000"/>
-          </a:schemeClr>
-        </a:solidFill>
-        <a:round/>
-      </a:ln>
-    </cs:spPr>
-    <cs:defRPr sz="1197" b="0" kern="1200" spc="20" baseline="0"/>
-  </cs:categoryAxis>
-  <cs:chartArea mods="allowNoLineOverride">
-    <cs:lnRef idx="0"/>
-    <cs:fillRef idx="0"/>
-    <cs:effectRef idx="0"/>
-    <cs:fontRef idx="minor">
-      <a:schemeClr val="dk1"/>
-    </cs:fontRef>
-    <cs:spPr>
-      <a:solidFill>
-        <a:schemeClr val="lt1"/>
-      </a:solidFill>
-      <a:ln w="9525" cap="flat" cmpd="sng" algn="ctr">
-        <a:solidFill>
-          <a:schemeClr val="dk1">
+          <a:schemeClr val="tx1">
             <a:lumMod val="15000"/>
             <a:lumOff val="85000"/>
           </a:schemeClr>
@@ -2399,15 +2610,38 @@
       </a:ln>
     </cs:spPr>
     <cs:defRPr sz="1197" kern="1200"/>
+  </cs:categoryAxis>
+  <cs:chartArea mods="allowNoFillOverride allowNoLineOverride">
+    <cs:lnRef idx="0"/>
+    <cs:fillRef idx="0"/>
+    <cs:effectRef idx="0"/>
+    <cs:fontRef idx="minor">
+      <a:schemeClr val="tx1"/>
+    </cs:fontRef>
+    <cs:spPr>
+      <a:solidFill>
+        <a:schemeClr val="bg1"/>
+      </a:solidFill>
+      <a:ln w="9525" cap="flat" cmpd="sng" algn="ctr">
+        <a:solidFill>
+          <a:schemeClr val="tx1">
+            <a:lumMod val="15000"/>
+            <a:lumOff val="85000"/>
+          </a:schemeClr>
+        </a:solidFill>
+        <a:round/>
+      </a:ln>
+    </cs:spPr>
+    <cs:defRPr sz="1330" kern="1200"/>
   </cs:chartArea>
   <cs:dataLabel>
     <cs:lnRef idx="0"/>
     <cs:fillRef idx="0"/>
     <cs:effectRef idx="0"/>
     <cs:fontRef idx="minor">
-      <a:schemeClr val="dk1">
-        <a:lumMod val="65000"/>
-        <a:lumOff val="35000"/>
+      <a:schemeClr val="tx1">
+        <a:lumMod val="75000"/>
+        <a:lumOff val="25000"/>
       </a:schemeClr>
     </cs:fontRef>
     <cs:defRPr sz="1197" kern="1200"/>
@@ -2441,60 +2675,46 @@
     </cs:bodyPr>
   </cs:dataLabelCallout>
   <cs:dataPoint>
-    <cs:lnRef idx="0">
-      <cs:styleClr val="auto"/>
-    </cs:lnRef>
-    <cs:fillRef idx="2">
+    <cs:lnRef idx="0"/>
+    <cs:fillRef idx="1">
       <cs:styleClr val="auto"/>
     </cs:fillRef>
-    <cs:effectRef idx="1"/>
+    <cs:effectRef idx="0"/>
     <cs:fontRef idx="minor">
-      <a:schemeClr val="dk1"/>
+      <a:schemeClr val="tx1"/>
     </cs:fontRef>
     <cs:spPr>
-      <a:ln w="9525" cap="flat" cmpd="sng" algn="ctr">
-        <a:solidFill>
-          <a:schemeClr val="phClr">
-            <a:shade val="95000"/>
-          </a:schemeClr>
-        </a:solidFill>
-        <a:round/>
-      </a:ln>
+      <a:solidFill>
+        <a:schemeClr val="phClr"/>
+      </a:solidFill>
     </cs:spPr>
   </cs:dataPoint>
   <cs:dataPoint3D>
-    <cs:lnRef idx="0">
-      <cs:styleClr val="auto"/>
-    </cs:lnRef>
-    <cs:fillRef idx="2">
+    <cs:lnRef idx="0"/>
+    <cs:fillRef idx="1">
       <cs:styleClr val="auto"/>
     </cs:fillRef>
-    <cs:effectRef idx="1"/>
+    <cs:effectRef idx="0"/>
     <cs:fontRef idx="minor">
-      <a:schemeClr val="dk1"/>
+      <a:schemeClr val="tx1"/>
     </cs:fontRef>
     <cs:spPr>
-      <a:ln w="9525" cap="flat" cmpd="sng" algn="ctr">
-        <a:solidFill>
-          <a:schemeClr val="phClr">
-            <a:shade val="95000"/>
-          </a:schemeClr>
-        </a:solidFill>
-        <a:round/>
-      </a:ln>
+      <a:solidFill>
+        <a:schemeClr val="phClr"/>
+      </a:solidFill>
     </cs:spPr>
   </cs:dataPoint3D>
   <cs:dataPointLine>
     <cs:lnRef idx="0">
       <cs:styleClr val="auto"/>
     </cs:lnRef>
-    <cs:fillRef idx="0"/>
+    <cs:fillRef idx="1"/>
     <cs:effectRef idx="0"/>
     <cs:fontRef idx="minor">
-      <a:schemeClr val="dk1"/>
+      <a:schemeClr val="tx1"/>
     </cs:fontRef>
     <cs:spPr>
-      <a:ln w="22225" cap="rnd" cmpd="sng" algn="ctr">
+      <a:ln w="28575" cap="rnd">
         <a:solidFill>
           <a:schemeClr val="phClr"/>
         </a:solidFill>
@@ -2506,34 +2726,33 @@
     <cs:lnRef idx="0">
       <cs:styleClr val="auto"/>
     </cs:lnRef>
-    <cs:fillRef idx="0">
+    <cs:fillRef idx="1">
       <cs:styleClr val="auto"/>
     </cs:fillRef>
     <cs:effectRef idx="0"/>
     <cs:fontRef idx="minor">
-      <a:schemeClr val="dk1"/>
+      <a:schemeClr val="tx1"/>
     </cs:fontRef>
     <cs:spPr>
       <a:solidFill>
         <a:schemeClr val="phClr"/>
       </a:solidFill>
-      <a:ln w="9525" cap="flat" cmpd="sng" algn="ctr">
+      <a:ln w="9525">
         <a:solidFill>
           <a:schemeClr val="phClr"/>
         </a:solidFill>
-        <a:round/>
       </a:ln>
     </cs:spPr>
   </cs:dataPointMarker>
-  <cs:dataPointMarkerLayout symbol="circle" size="4"/>
+  <cs:dataPointMarkerLayout symbol="circle" size="5"/>
   <cs:dataPointWireframe>
     <cs:lnRef idx="0">
       <cs:styleClr val="auto"/>
     </cs:lnRef>
-    <cs:fillRef idx="0"/>
+    <cs:fillRef idx="1"/>
     <cs:effectRef idx="0"/>
     <cs:fontRef idx="minor">
-      <a:schemeClr val="dk1"/>
+      <a:schemeClr val="tx1"/>
     </cs:fontRef>
     <cs:spPr>
       <a:ln w="9525" cap="rnd">
@@ -2549,19 +2768,21 @@
     <cs:fillRef idx="0"/>
     <cs:effectRef idx="0"/>
     <cs:fontRef idx="minor">
-      <a:schemeClr val="dk1">
+      <a:schemeClr val="tx1">
         <a:lumMod val="65000"/>
         <a:lumOff val="35000"/>
       </a:schemeClr>
     </cs:fontRef>
     <cs:spPr>
-      <a:ln w="9525">
+      <a:noFill/>
+      <a:ln w="9525" cap="flat" cmpd="sng" algn="ctr">
         <a:solidFill>
-          <a:schemeClr val="dk1">
+          <a:schemeClr val="tx1">
             <a:lumMod val="15000"/>
             <a:lumOff val="85000"/>
           </a:schemeClr>
         </a:solidFill>
+        <a:round/>
       </a:ln>
     </cs:spPr>
     <cs:defRPr sz="1197" kern="1200"/>
@@ -2576,13 +2797,13 @@
     <cs:spPr>
       <a:solidFill>
         <a:schemeClr val="dk1">
-          <a:lumMod val="75000"/>
-          <a:lumOff val="25000"/>
+          <a:lumMod val="65000"/>
+          <a:lumOff val="35000"/>
         </a:schemeClr>
       </a:solidFill>
       <a:ln w="9525">
         <a:solidFill>
-          <a:schemeClr val="dk1">
+          <a:schemeClr val="tx1">
             <a:lumMod val="65000"/>
             <a:lumOff val="35000"/>
           </a:schemeClr>
@@ -2595,15 +2816,14 @@
     <cs:fillRef idx="0"/>
     <cs:effectRef idx="0"/>
     <cs:fontRef idx="minor">
-      <a:schemeClr val="dk1"/>
+      <a:schemeClr val="tx1"/>
     </cs:fontRef>
     <cs:spPr>
       <a:ln w="9525" cap="flat" cmpd="sng" algn="ctr">
         <a:solidFill>
-          <a:schemeClr val="dk1">
+          <a:schemeClr val="tx1">
             <a:lumMod val="35000"/>
             <a:lumOff val="65000"/>
-            <a:alpha val="33000"/>
           </a:schemeClr>
         </a:solidFill>
         <a:round/>
@@ -2615,16 +2835,17 @@
     <cs:fillRef idx="0"/>
     <cs:effectRef idx="0"/>
     <cs:fontRef idx="minor">
-      <a:schemeClr val="dk1"/>
+      <a:schemeClr val="tx1"/>
     </cs:fontRef>
     <cs:spPr>
-      <a:ln w="9525">
+      <a:ln w="9525" cap="flat" cmpd="sng" algn="ctr">
         <a:solidFill>
-          <a:schemeClr val="dk1">
+          <a:schemeClr val="tx1">
             <a:lumMod val="65000"/>
             <a:lumOff val="35000"/>
           </a:schemeClr>
         </a:solidFill>
+        <a:round/>
       </a:ln>
     </cs:spPr>
   </cs:errorBar>
@@ -2633,24 +2854,31 @@
     <cs:fillRef idx="0"/>
     <cs:effectRef idx="0"/>
     <cs:fontRef idx="minor">
-      <a:schemeClr val="dk1"/>
+      <a:schemeClr val="tx1"/>
     </cs:fontRef>
+    <cs:spPr>
+      <a:noFill/>
+      <a:ln>
+        <a:noFill/>
+      </a:ln>
+    </cs:spPr>
   </cs:floor>
   <cs:gridlineMajor>
     <cs:lnRef idx="0"/>
     <cs:fillRef idx="0"/>
     <cs:effectRef idx="0"/>
     <cs:fontRef idx="minor">
-      <a:schemeClr val="dk1"/>
+      <a:schemeClr val="tx1"/>
     </cs:fontRef>
     <cs:spPr>
-      <a:ln>
+      <a:ln w="9525" cap="flat" cmpd="sng" algn="ctr">
         <a:solidFill>
-          <a:schemeClr val="dk1">
+          <a:schemeClr val="tx1">
             <a:lumMod val="15000"/>
             <a:lumOff val="85000"/>
           </a:schemeClr>
         </a:solidFill>
+        <a:round/>
       </a:ln>
     </cs:spPr>
   </cs:gridlineMajor>
@@ -2659,16 +2887,17 @@
     <cs:fillRef idx="0"/>
     <cs:effectRef idx="0"/>
     <cs:fontRef idx="minor">
-      <a:schemeClr val="dk1"/>
+      <a:schemeClr val="tx1"/>
     </cs:fontRef>
     <cs:spPr>
-      <a:ln>
+      <a:ln w="9525" cap="flat" cmpd="sng" algn="ctr">
         <a:solidFill>
-          <a:schemeClr val="dk1">
+          <a:schemeClr val="tx1">
             <a:lumMod val="5000"/>
             <a:lumOff val="95000"/>
           </a:schemeClr>
         </a:solidFill>
+        <a:round/>
       </a:ln>
     </cs:spPr>
   </cs:gridlineMinor>
@@ -2677,16 +2906,17 @@
     <cs:fillRef idx="0"/>
     <cs:effectRef idx="0"/>
     <cs:fontRef idx="minor">
-      <a:schemeClr val="dk1"/>
+      <a:schemeClr val="tx1"/>
     </cs:fontRef>
     <cs:spPr>
-      <a:ln w="9525">
+      <a:ln w="9525" cap="flat" cmpd="sng" algn="ctr">
         <a:solidFill>
-          <a:schemeClr val="dk1">
-            <a:lumMod val="35000"/>
-            <a:lumOff val="65000"/>
+          <a:schemeClr val="tx1">
+            <a:lumMod val="75000"/>
+            <a:lumOff val="25000"/>
           </a:schemeClr>
         </a:solidFill>
+        <a:round/>
       </a:ln>
     </cs:spPr>
   </cs:hiLoLine>
@@ -2695,16 +2925,17 @@
     <cs:fillRef idx="0"/>
     <cs:effectRef idx="0"/>
     <cs:fontRef idx="minor">
-      <a:schemeClr val="dk1"/>
+      <a:schemeClr val="tx1"/>
     </cs:fontRef>
     <cs:spPr>
-      <a:ln w="9525">
+      <a:ln w="9525" cap="flat" cmpd="sng" algn="ctr">
         <a:solidFill>
-          <a:schemeClr val="dk1">
+          <a:schemeClr val="tx1">
             <a:lumMod val="35000"/>
             <a:lumOff val="65000"/>
           </a:schemeClr>
         </a:solidFill>
+        <a:round/>
       </a:ln>
     </cs:spPr>
   </cs:leaderLine>
@@ -2713,42 +2944,27 @@
     <cs:fillRef idx="0"/>
     <cs:effectRef idx="0"/>
     <cs:fontRef idx="minor">
-      <a:schemeClr val="dk1">
+      <a:schemeClr val="tx1">
         <a:lumMod val="65000"/>
         <a:lumOff val="35000"/>
       </a:schemeClr>
     </cs:fontRef>
     <cs:defRPr sz="1197" kern="1200"/>
   </cs:legend>
-  <cs:plotArea>
+  <cs:plotArea mods="allowNoFillOverride allowNoLineOverride">
     <cs:lnRef idx="0"/>
     <cs:fillRef idx="0"/>
     <cs:effectRef idx="0"/>
     <cs:fontRef idx="minor">
-      <a:schemeClr val="dk1"/>
+      <a:schemeClr val="tx1"/>
     </cs:fontRef>
-    <cs:spPr>
-      <a:gradFill>
-        <a:gsLst>
-          <a:gs pos="100000">
-            <a:schemeClr val="lt1">
-              <a:lumMod val="95000"/>
-            </a:schemeClr>
-          </a:gs>
-          <a:gs pos="0">
-            <a:schemeClr val="lt1"/>
-          </a:gs>
-        </a:gsLst>
-        <a:lin ang="5400000" scaled="0"/>
-      </a:gradFill>
-    </cs:spPr>
   </cs:plotArea>
-  <cs:plotArea3D>
+  <cs:plotArea3D mods="allowNoFillOverride allowNoLineOverride">
     <cs:lnRef idx="0"/>
     <cs:fillRef idx="0"/>
     <cs:effectRef idx="0"/>
     <cs:fontRef idx="minor">
-      <a:schemeClr val="dk1"/>
+      <a:schemeClr val="tx1"/>
     </cs:fontRef>
   </cs:plotArea3D>
   <cs:seriesAxis>
@@ -2756,22 +2972,11 @@
     <cs:fillRef idx="0"/>
     <cs:effectRef idx="0"/>
     <cs:fontRef idx="minor">
-      <a:schemeClr val="dk1">
+      <a:schemeClr val="tx1">
         <a:lumMod val="65000"/>
         <a:lumOff val="35000"/>
       </a:schemeClr>
     </cs:fontRef>
-    <cs:spPr>
-      <a:ln w="9525" cap="flat" cmpd="sng" algn="ctr">
-        <a:solidFill>
-          <a:schemeClr val="dk1">
-            <a:lumMod val="15000"/>
-            <a:lumOff val="85000"/>
-          </a:schemeClr>
-        </a:solidFill>
-        <a:round/>
-      </a:ln>
-    </cs:spPr>
     <cs:defRPr sz="1197" kern="1200"/>
   </cs:seriesAxis>
   <cs:seriesLine>
@@ -2779,17 +2984,17 @@
     <cs:fillRef idx="0"/>
     <cs:effectRef idx="0"/>
     <cs:fontRef idx="minor">
-      <a:schemeClr val="dk1"/>
+      <a:schemeClr val="tx1"/>
     </cs:fontRef>
     <cs:spPr>
-      <a:ln w="9525">
+      <a:ln w="9525" cap="flat" cmpd="sng" algn="ctr">
         <a:solidFill>
-          <a:schemeClr val="dk1">
+          <a:schemeClr val="tx1">
             <a:lumMod val="35000"/>
             <a:lumOff val="65000"/>
           </a:schemeClr>
         </a:solidFill>
-        <a:prstDash val="dash"/>
+        <a:round/>
       </a:ln>
     </cs:spPr>
   </cs:seriesLine>
@@ -2798,12 +3003,12 @@
     <cs:fillRef idx="0"/>
     <cs:effectRef idx="0"/>
     <cs:fontRef idx="minor">
-      <a:schemeClr val="dk1">
-        <a:lumMod val="50000"/>
-        <a:lumOff val="50000"/>
+      <a:schemeClr val="tx1">
+        <a:lumMod val="65000"/>
+        <a:lumOff val="35000"/>
       </a:schemeClr>
     </cs:fontRef>
-    <cs:defRPr sz="1862" kern="1200" cap="none" spc="20" baseline="0"/>
+    <cs:defRPr sz="1862" b="0" kern="1200" spc="0" baseline="0"/>
   </cs:title>
   <cs:trendline>
     <cs:lnRef idx="0">
@@ -2812,13 +3017,14 @@
     <cs:fillRef idx="0"/>
     <cs:effectRef idx="0"/>
     <cs:fontRef idx="minor">
-      <a:schemeClr val="dk1"/>
+      <a:schemeClr val="tx1"/>
     </cs:fontRef>
     <cs:spPr>
-      <a:ln w="9525" cap="rnd">
+      <a:ln w="19050" cap="rnd">
         <a:solidFill>
           <a:schemeClr val="phClr"/>
         </a:solidFill>
+        <a:prstDash val="sysDot"/>
       </a:ln>
     </cs:spPr>
   </cs:trendline>
@@ -2827,7 +3033,7 @@
     <cs:fillRef idx="0"/>
     <cs:effectRef idx="0"/>
     <cs:fontRef idx="minor">
-      <a:schemeClr val="dk1">
+      <a:schemeClr val="tx1">
         <a:lumMod val="65000"/>
         <a:lumOff val="35000"/>
       </a:schemeClr>
@@ -2847,9 +3053,9 @@
       </a:solidFill>
       <a:ln w="9525">
         <a:solidFill>
-          <a:schemeClr val="dk1">
-            <a:lumMod val="65000"/>
-            <a:lumOff val="35000"/>
+          <a:schemeClr val="tx1">
+            <a:lumMod val="15000"/>
+            <a:lumOff val="85000"/>
           </a:schemeClr>
         </a:solidFill>
       </a:ln>
@@ -2860,22 +3066,917 @@
     <cs:fillRef idx="0"/>
     <cs:effectRef idx="0"/>
     <cs:fontRef idx="minor">
-      <a:schemeClr val="dk1">
+      <a:schemeClr val="tx1">
         <a:lumMod val="65000"/>
         <a:lumOff val="35000"/>
       </a:schemeClr>
     </cs:fontRef>
-    <cs:defRPr sz="1197" kern="1200" spc="20" baseline="0"/>
+    <cs:defRPr sz="1197" kern="1200"/>
   </cs:valueAxis>
   <cs:wall>
     <cs:lnRef idx="0"/>
     <cs:fillRef idx="0"/>
     <cs:effectRef idx="0"/>
     <cs:fontRef idx="minor">
-      <a:schemeClr val="dk1"/>
+      <a:schemeClr val="tx1"/>
     </cs:fontRef>
+    <cs:spPr>
+      <a:noFill/>
+      <a:ln>
+        <a:noFill/>
+      </a:ln>
+    </cs:spPr>
   </cs:wall>
 </cs:chartStyle>
+</file>
+
+<file path=ppt/drawings/drawing1.xml><?xml version="1.0" encoding="utf-8"?>
+<c:userShapes xmlns:c="http://schemas.openxmlformats.org/drawingml/2006/chart">
+  <cdr:relSizeAnchor xmlns:cdr="http://schemas.openxmlformats.org/drawingml/2006/chartDrawing">
+    <cdr:from>
+      <cdr:x>0.4894</cdr:x>
+      <cdr:y>0.93003</cdr:y>
+    </cdr:from>
+    <cdr:to>
+      <cdr:x>0.53524</cdr:x>
+      <cdr:y>0.98878</cdr:y>
+    </cdr:to>
+    <cdr:sp macro="" textlink="">
+      <cdr:nvSpPr>
+        <cdr:cNvPr id="2" name="pole tekstowe 1">
+          <a:extLst xmlns:a="http://schemas.openxmlformats.org/drawingml/2006/main">
+            <a:ext uri="{FF2B5EF4-FFF2-40B4-BE49-F238E27FC236}">
+              <a16:creationId xmlns:a16="http://schemas.microsoft.com/office/drawing/2014/main" id="{1A92DFA1-41DC-43BC-971C-906B46DDC806}"/>
+            </a:ext>
+          </a:extLst>
+        </cdr:cNvPr>
+        <cdr:cNvSpPr txBox="1"/>
+      </cdr:nvSpPr>
+      <cdr:spPr>
+        <a:xfrm xmlns:a="http://schemas.openxmlformats.org/drawingml/2006/main">
+          <a:off x="5701814" y="4825736"/>
+          <a:ext cx="534054" cy="304842"/>
+        </a:xfrm>
+        <a:prstGeom xmlns:a="http://schemas.openxmlformats.org/drawingml/2006/main" prst="rect">
+          <a:avLst/>
+        </a:prstGeom>
+        <a:solidFill xmlns:a="http://schemas.openxmlformats.org/drawingml/2006/main">
+          <a:schemeClr val="bg1"/>
+        </a:solidFill>
+      </cdr:spPr>
+      <cdr:txBody>
+        <a:bodyPr xmlns:a="http://schemas.openxmlformats.org/drawingml/2006/main" vertOverflow="clip" wrap="none" rtlCol="0" anchor="ctr"/>
+        <a:lstStyle xmlns:a="http://schemas.openxmlformats.org/drawingml/2006/main"/>
+        <a:p xmlns:a="http://schemas.openxmlformats.org/drawingml/2006/main">
+          <a:pPr algn="ctr"/>
+          <a:r>
+            <a:rPr lang="en-US" sz="1200" dirty="0">
+              <a:solidFill>
+                <a:schemeClr val="tx1">
+                  <a:lumMod val="75000"/>
+                  <a:lumOff val="25000"/>
+                </a:schemeClr>
+              </a:solidFill>
+              <a:latin typeface="+mj-lt"/>
+            </a:rPr>
+            <a:t>Forecast</a:t>
+          </a:r>
+        </a:p>
+      </cdr:txBody>
+    </cdr:sp>
+  </cdr:relSizeAnchor>
+  <cdr:relSizeAnchor xmlns:cdr="http://schemas.openxmlformats.org/drawingml/2006/chartDrawing">
+    <cdr:from>
+      <cdr:x>0.65282</cdr:x>
+      <cdr:y>0.93072</cdr:y>
+    </cdr:from>
+    <cdr:to>
+      <cdr:x>0.69603</cdr:x>
+      <cdr:y>0.98947</cdr:y>
+    </cdr:to>
+    <cdr:sp macro="" textlink="">
+      <cdr:nvSpPr>
+        <cdr:cNvPr id="4" name="pole tekstowe 1">
+          <a:extLst xmlns:a="http://schemas.openxmlformats.org/drawingml/2006/main">
+            <a:ext uri="{FF2B5EF4-FFF2-40B4-BE49-F238E27FC236}">
+              <a16:creationId xmlns:a16="http://schemas.microsoft.com/office/drawing/2014/main" id="{DBCD6E32-67B3-48C7-954F-4FAF4F9C275B}"/>
+            </a:ext>
+          </a:extLst>
+        </cdr:cNvPr>
+        <cdr:cNvSpPr txBox="1"/>
+      </cdr:nvSpPr>
+      <cdr:spPr>
+        <a:xfrm xmlns:a="http://schemas.openxmlformats.org/drawingml/2006/main">
+          <a:off x="7605770" y="4829286"/>
+          <a:ext cx="503347" cy="304842"/>
+        </a:xfrm>
+        <a:prstGeom xmlns:a="http://schemas.openxmlformats.org/drawingml/2006/main" prst="rect">
+          <a:avLst/>
+        </a:prstGeom>
+        <a:solidFill xmlns:a="http://schemas.openxmlformats.org/drawingml/2006/main">
+          <a:schemeClr val="bg1"/>
+        </a:solidFill>
+      </cdr:spPr>
+      <cdr:txBody>
+        <a:bodyPr xmlns:a="http://schemas.openxmlformats.org/drawingml/2006/main" wrap="none" rtlCol="0" anchor="ctr"/>
+        <a:lstStyle xmlns:a="http://schemas.openxmlformats.org/drawingml/2006/main">
+          <a:lvl1pPr marL="0" indent="0">
+            <a:defRPr sz="1100">
+              <a:latin typeface="+mn-lt"/>
+              <a:ea typeface="+mn-ea"/>
+              <a:cs typeface="+mn-cs"/>
+            </a:defRPr>
+          </a:lvl1pPr>
+          <a:lvl2pPr marL="457200" indent="0">
+            <a:defRPr sz="1100">
+              <a:latin typeface="+mn-lt"/>
+              <a:ea typeface="+mn-ea"/>
+              <a:cs typeface="+mn-cs"/>
+            </a:defRPr>
+          </a:lvl2pPr>
+          <a:lvl3pPr marL="914400" indent="0">
+            <a:defRPr sz="1100">
+              <a:latin typeface="+mn-lt"/>
+              <a:ea typeface="+mn-ea"/>
+              <a:cs typeface="+mn-cs"/>
+            </a:defRPr>
+          </a:lvl3pPr>
+          <a:lvl4pPr marL="1371600" indent="0">
+            <a:defRPr sz="1100">
+              <a:latin typeface="+mn-lt"/>
+              <a:ea typeface="+mn-ea"/>
+              <a:cs typeface="+mn-cs"/>
+            </a:defRPr>
+          </a:lvl4pPr>
+          <a:lvl5pPr marL="1828800" indent="0">
+            <a:defRPr sz="1100">
+              <a:latin typeface="+mn-lt"/>
+              <a:ea typeface="+mn-ea"/>
+              <a:cs typeface="+mn-cs"/>
+            </a:defRPr>
+          </a:lvl5pPr>
+          <a:lvl6pPr marL="2286000" indent="0">
+            <a:defRPr sz="1100">
+              <a:latin typeface="+mn-lt"/>
+              <a:ea typeface="+mn-ea"/>
+              <a:cs typeface="+mn-cs"/>
+            </a:defRPr>
+          </a:lvl6pPr>
+          <a:lvl7pPr marL="2743200" indent="0">
+            <a:defRPr sz="1100">
+              <a:latin typeface="+mn-lt"/>
+              <a:ea typeface="+mn-ea"/>
+              <a:cs typeface="+mn-cs"/>
+            </a:defRPr>
+          </a:lvl7pPr>
+          <a:lvl8pPr marL="3200400" indent="0">
+            <a:defRPr sz="1100">
+              <a:latin typeface="+mn-lt"/>
+              <a:ea typeface="+mn-ea"/>
+              <a:cs typeface="+mn-cs"/>
+            </a:defRPr>
+          </a:lvl8pPr>
+          <a:lvl9pPr marL="3657600" indent="0">
+            <a:defRPr sz="1100">
+              <a:latin typeface="+mn-lt"/>
+              <a:ea typeface="+mn-ea"/>
+              <a:cs typeface="+mn-cs"/>
+            </a:defRPr>
+          </a:lvl9pPr>
+        </a:lstStyle>
+        <a:p xmlns:a="http://schemas.openxmlformats.org/drawingml/2006/main">
+          <a:pPr algn="ctr"/>
+          <a:r>
+            <a:rPr lang="en-US" sz="1200" dirty="0">
+              <a:solidFill>
+                <a:schemeClr val="tx1">
+                  <a:lumMod val="75000"/>
+                  <a:lumOff val="25000"/>
+                </a:schemeClr>
+              </a:solidFill>
+              <a:latin typeface="+mj-lt"/>
+            </a:rPr>
+            <a:t>Forecast</a:t>
+          </a:r>
+        </a:p>
+      </cdr:txBody>
+    </cdr:sp>
+  </cdr:relSizeAnchor>
+  <cdr:relSizeAnchor xmlns:cdr="http://schemas.openxmlformats.org/drawingml/2006/chartDrawing">
+    <cdr:from>
+      <cdr:x>0.67477</cdr:x>
+      <cdr:y>0.87153</cdr:y>
+    </cdr:from>
+    <cdr:to>
+      <cdr:x>0.73211</cdr:x>
+      <cdr:y>0.93028</cdr:y>
+    </cdr:to>
+    <cdr:sp macro="" textlink="">
+      <cdr:nvSpPr>
+        <cdr:cNvPr id="5" name="pole tekstowe 1">
+          <a:extLst xmlns:a="http://schemas.openxmlformats.org/drawingml/2006/main">
+            <a:ext uri="{FF2B5EF4-FFF2-40B4-BE49-F238E27FC236}">
+              <a16:creationId xmlns:a16="http://schemas.microsoft.com/office/drawing/2014/main" id="{D03074F2-5709-4F92-A574-8DADE08D0C92}"/>
+            </a:ext>
+          </a:extLst>
+        </cdr:cNvPr>
+        <cdr:cNvSpPr txBox="1"/>
+      </cdr:nvSpPr>
+      <cdr:spPr>
+        <a:xfrm xmlns:a="http://schemas.openxmlformats.org/drawingml/2006/main">
+          <a:off x="7861405" y="4522197"/>
+          <a:ext cx="668056" cy="304842"/>
+        </a:xfrm>
+        <a:prstGeom xmlns:a="http://schemas.openxmlformats.org/drawingml/2006/main" prst="rect">
+          <a:avLst/>
+        </a:prstGeom>
+        <a:solidFill xmlns:a="http://schemas.openxmlformats.org/drawingml/2006/main">
+          <a:schemeClr val="bg1"/>
+        </a:solidFill>
+      </cdr:spPr>
+      <cdr:txBody>
+        <a:bodyPr xmlns:a="http://schemas.openxmlformats.org/drawingml/2006/main" wrap="none" rtlCol="0" anchor="ctr"/>
+        <a:lstStyle xmlns:a="http://schemas.openxmlformats.org/drawingml/2006/main">
+          <a:lvl1pPr marL="0" indent="0">
+            <a:defRPr sz="1100">
+              <a:latin typeface="+mn-lt"/>
+              <a:ea typeface="+mn-ea"/>
+              <a:cs typeface="+mn-cs"/>
+            </a:defRPr>
+          </a:lvl1pPr>
+          <a:lvl2pPr marL="457200" indent="0">
+            <a:defRPr sz="1100">
+              <a:latin typeface="+mn-lt"/>
+              <a:ea typeface="+mn-ea"/>
+              <a:cs typeface="+mn-cs"/>
+            </a:defRPr>
+          </a:lvl2pPr>
+          <a:lvl3pPr marL="914400" indent="0">
+            <a:defRPr sz="1100">
+              <a:latin typeface="+mn-lt"/>
+              <a:ea typeface="+mn-ea"/>
+              <a:cs typeface="+mn-cs"/>
+            </a:defRPr>
+          </a:lvl3pPr>
+          <a:lvl4pPr marL="1371600" indent="0">
+            <a:defRPr sz="1100">
+              <a:latin typeface="+mn-lt"/>
+              <a:ea typeface="+mn-ea"/>
+              <a:cs typeface="+mn-cs"/>
+            </a:defRPr>
+          </a:lvl4pPr>
+          <a:lvl5pPr marL="1828800" indent="0">
+            <a:defRPr sz="1100">
+              <a:latin typeface="+mn-lt"/>
+              <a:ea typeface="+mn-ea"/>
+              <a:cs typeface="+mn-cs"/>
+            </a:defRPr>
+          </a:lvl5pPr>
+          <a:lvl6pPr marL="2286000" indent="0">
+            <a:defRPr sz="1100">
+              <a:latin typeface="+mn-lt"/>
+              <a:ea typeface="+mn-ea"/>
+              <a:cs typeface="+mn-cs"/>
+            </a:defRPr>
+          </a:lvl6pPr>
+          <a:lvl7pPr marL="2743200" indent="0">
+            <a:defRPr sz="1100">
+              <a:latin typeface="+mn-lt"/>
+              <a:ea typeface="+mn-ea"/>
+              <a:cs typeface="+mn-cs"/>
+            </a:defRPr>
+          </a:lvl7pPr>
+          <a:lvl8pPr marL="3200400" indent="0">
+            <a:defRPr sz="1100">
+              <a:latin typeface="+mn-lt"/>
+              <a:ea typeface="+mn-ea"/>
+              <a:cs typeface="+mn-cs"/>
+            </a:defRPr>
+          </a:lvl8pPr>
+          <a:lvl9pPr marL="3657600" indent="0">
+            <a:defRPr sz="1100">
+              <a:latin typeface="+mn-lt"/>
+              <a:ea typeface="+mn-ea"/>
+              <a:cs typeface="+mn-cs"/>
+            </a:defRPr>
+          </a:lvl9pPr>
+        </a:lstStyle>
+        <a:p xmlns:a="http://schemas.openxmlformats.org/drawingml/2006/main">
+          <a:pPr algn="ctr"/>
+          <a:r>
+            <a:rPr lang="pl-PL" sz="1000" dirty="0">
+              <a:solidFill>
+                <a:schemeClr val="tx1">
+                  <a:lumMod val="75000"/>
+                  <a:lumOff val="25000"/>
+                </a:schemeClr>
+              </a:solidFill>
+              <a:latin typeface="+mj-lt"/>
+            </a:rPr>
+            <a:t>2019</a:t>
+          </a:r>
+          <a:br>
+            <a:rPr lang="pl-PL" sz="1000" dirty="0">
+              <a:solidFill>
+                <a:schemeClr val="tx1">
+                  <a:lumMod val="75000"/>
+                  <a:lumOff val="25000"/>
+                </a:schemeClr>
+              </a:solidFill>
+              <a:latin typeface="+mj-lt"/>
+            </a:rPr>
+          </a:br>
+          <a:r>
+            <a:rPr lang="en-US" sz="1000" dirty="0">
+              <a:solidFill>
+                <a:schemeClr val="tx1">
+                  <a:lumMod val="75000"/>
+                  <a:lumOff val="25000"/>
+                </a:schemeClr>
+              </a:solidFill>
+              <a:latin typeface="+mj-lt"/>
+            </a:rPr>
+            <a:t>Forecast</a:t>
+          </a:r>
+        </a:p>
+      </cdr:txBody>
+    </cdr:sp>
+  </cdr:relSizeAnchor>
+  <cdr:relSizeAnchor xmlns:cdr="http://schemas.openxmlformats.org/drawingml/2006/chartDrawing">
+    <cdr:from>
+      <cdr:x>0.8328</cdr:x>
+      <cdr:y>0.86994</cdr:y>
+    </cdr:from>
+    <cdr:to>
+      <cdr:x>0.89014</cdr:x>
+      <cdr:y>0.92869</cdr:y>
+    </cdr:to>
+    <cdr:sp macro="" textlink="">
+      <cdr:nvSpPr>
+        <cdr:cNvPr id="6" name="pole tekstowe 1">
+          <a:extLst xmlns:a="http://schemas.openxmlformats.org/drawingml/2006/main">
+            <a:ext uri="{FF2B5EF4-FFF2-40B4-BE49-F238E27FC236}">
+              <a16:creationId xmlns:a16="http://schemas.microsoft.com/office/drawing/2014/main" id="{9FCCE6DD-455D-4691-916C-54ACD6693AC4}"/>
+            </a:ext>
+          </a:extLst>
+        </cdr:cNvPr>
+        <cdr:cNvSpPr txBox="1"/>
+      </cdr:nvSpPr>
+      <cdr:spPr>
+        <a:xfrm xmlns:a="http://schemas.openxmlformats.org/drawingml/2006/main">
+          <a:off x="9702635" y="4513952"/>
+          <a:ext cx="668056" cy="304842"/>
+        </a:xfrm>
+        <a:prstGeom xmlns:a="http://schemas.openxmlformats.org/drawingml/2006/main" prst="rect">
+          <a:avLst/>
+        </a:prstGeom>
+        <a:solidFill xmlns:a="http://schemas.openxmlformats.org/drawingml/2006/main">
+          <a:schemeClr val="bg1"/>
+        </a:solidFill>
+      </cdr:spPr>
+      <cdr:txBody>
+        <a:bodyPr xmlns:a="http://schemas.openxmlformats.org/drawingml/2006/main" wrap="none" rtlCol="0" anchor="ctr"/>
+        <a:lstStyle xmlns:a="http://schemas.openxmlformats.org/drawingml/2006/main">
+          <a:lvl1pPr marL="0" indent="0">
+            <a:defRPr sz="1100">
+              <a:latin typeface="+mn-lt"/>
+              <a:ea typeface="+mn-ea"/>
+              <a:cs typeface="+mn-cs"/>
+            </a:defRPr>
+          </a:lvl1pPr>
+          <a:lvl2pPr marL="457200" indent="0">
+            <a:defRPr sz="1100">
+              <a:latin typeface="+mn-lt"/>
+              <a:ea typeface="+mn-ea"/>
+              <a:cs typeface="+mn-cs"/>
+            </a:defRPr>
+          </a:lvl2pPr>
+          <a:lvl3pPr marL="914400" indent="0">
+            <a:defRPr sz="1100">
+              <a:latin typeface="+mn-lt"/>
+              <a:ea typeface="+mn-ea"/>
+              <a:cs typeface="+mn-cs"/>
+            </a:defRPr>
+          </a:lvl3pPr>
+          <a:lvl4pPr marL="1371600" indent="0">
+            <a:defRPr sz="1100">
+              <a:latin typeface="+mn-lt"/>
+              <a:ea typeface="+mn-ea"/>
+              <a:cs typeface="+mn-cs"/>
+            </a:defRPr>
+          </a:lvl4pPr>
+          <a:lvl5pPr marL="1828800" indent="0">
+            <a:defRPr sz="1100">
+              <a:latin typeface="+mn-lt"/>
+              <a:ea typeface="+mn-ea"/>
+              <a:cs typeface="+mn-cs"/>
+            </a:defRPr>
+          </a:lvl5pPr>
+          <a:lvl6pPr marL="2286000" indent="0">
+            <a:defRPr sz="1100">
+              <a:latin typeface="+mn-lt"/>
+              <a:ea typeface="+mn-ea"/>
+              <a:cs typeface="+mn-cs"/>
+            </a:defRPr>
+          </a:lvl6pPr>
+          <a:lvl7pPr marL="2743200" indent="0">
+            <a:defRPr sz="1100">
+              <a:latin typeface="+mn-lt"/>
+              <a:ea typeface="+mn-ea"/>
+              <a:cs typeface="+mn-cs"/>
+            </a:defRPr>
+          </a:lvl7pPr>
+          <a:lvl8pPr marL="3200400" indent="0">
+            <a:defRPr sz="1100">
+              <a:latin typeface="+mn-lt"/>
+              <a:ea typeface="+mn-ea"/>
+              <a:cs typeface="+mn-cs"/>
+            </a:defRPr>
+          </a:lvl8pPr>
+          <a:lvl9pPr marL="3657600" indent="0">
+            <a:defRPr sz="1100">
+              <a:latin typeface="+mn-lt"/>
+              <a:ea typeface="+mn-ea"/>
+              <a:cs typeface="+mn-cs"/>
+            </a:defRPr>
+          </a:lvl9pPr>
+        </a:lstStyle>
+        <a:p xmlns:a="http://schemas.openxmlformats.org/drawingml/2006/main">
+          <a:pPr algn="ctr"/>
+          <a:r>
+            <a:rPr lang="pl-PL" sz="1000" dirty="0">
+              <a:solidFill>
+                <a:schemeClr val="tx1">
+                  <a:lumMod val="75000"/>
+                  <a:lumOff val="25000"/>
+                </a:schemeClr>
+              </a:solidFill>
+              <a:latin typeface="+mj-lt"/>
+            </a:rPr>
+            <a:t>2020</a:t>
+          </a:r>
+          <a:br>
+            <a:rPr lang="pl-PL" sz="1000" dirty="0">
+              <a:solidFill>
+                <a:schemeClr val="tx1">
+                  <a:lumMod val="75000"/>
+                  <a:lumOff val="25000"/>
+                </a:schemeClr>
+              </a:solidFill>
+              <a:latin typeface="+mj-lt"/>
+            </a:rPr>
+          </a:br>
+          <a:r>
+            <a:rPr lang="en-US" sz="1000" dirty="0">
+              <a:solidFill>
+                <a:schemeClr val="tx1">
+                  <a:lumMod val="75000"/>
+                  <a:lumOff val="25000"/>
+                </a:schemeClr>
+              </a:solidFill>
+              <a:latin typeface="+mj-lt"/>
+            </a:rPr>
+            <a:t>Forecast</a:t>
+          </a:r>
+        </a:p>
+      </cdr:txBody>
+    </cdr:sp>
+  </cdr:relSizeAnchor>
+</c:userShapes>
+</file>
+
+<file path=ppt/notesMasters/notesMaster1.xml><?xml version="1.0" encoding="utf-8"?>
+<p:notesMaster xmlns:a="http://schemas.openxmlformats.org/drawingml/2006/main" xmlns:r="http://schemas.openxmlformats.org/officeDocument/2006/relationships" xmlns:p="http://schemas.openxmlformats.org/presentationml/2006/main">
+  <p:cSld>
+    <p:bg>
+      <p:bgRef idx="1001">
+        <a:schemeClr val="bg1"/>
+      </p:bgRef>
+    </p:bg>
+    <p:spTree>
+      <p:nvGrpSpPr>
+        <p:cNvPr id="1" name=""/>
+        <p:cNvGrpSpPr/>
+        <p:nvPr/>
+      </p:nvGrpSpPr>
+      <p:grpSpPr>
+        <a:xfrm>
+          <a:off x="0" y="0"/>
+          <a:ext cx="0" cy="0"/>
+          <a:chOff x="0" y="0"/>
+          <a:chExt cx="0" cy="0"/>
+        </a:xfrm>
+      </p:grpSpPr>
+      <p:sp>
+        <p:nvSpPr>
+          <p:cNvPr id="2" name="Symbol zastępczy nagłówka 1"/>
+          <p:cNvSpPr>
+            <a:spLocks noGrp="1"/>
+          </p:cNvSpPr>
+          <p:nvPr>
+            <p:ph type="hdr" sz="quarter"/>
+          </p:nvPr>
+        </p:nvSpPr>
+        <p:spPr>
+          <a:xfrm>
+            <a:off x="0" y="0"/>
+            <a:ext cx="2971800" cy="458788"/>
+          </a:xfrm>
+          <a:prstGeom prst="rect">
+            <a:avLst/>
+          </a:prstGeom>
+        </p:spPr>
+        <p:txBody>
+          <a:bodyPr vert="horz" lIns="91440" tIns="45720" rIns="91440" bIns="45720" rtlCol="0"/>
+          <a:lstStyle>
+            <a:lvl1pPr algn="l">
+              <a:defRPr sz="1200"/>
+            </a:lvl1pPr>
+          </a:lstStyle>
+          <a:p>
+            <a:endParaRPr lang="en-US"/>
+          </a:p>
+        </p:txBody>
+      </p:sp>
+      <p:sp>
+        <p:nvSpPr>
+          <p:cNvPr id="3" name="Symbol zastępczy daty 2"/>
+          <p:cNvSpPr>
+            <a:spLocks noGrp="1"/>
+          </p:cNvSpPr>
+          <p:nvPr>
+            <p:ph type="dt" idx="1"/>
+          </p:nvPr>
+        </p:nvSpPr>
+        <p:spPr>
+          <a:xfrm>
+            <a:off x="3884613" y="0"/>
+            <a:ext cx="2971800" cy="458788"/>
+          </a:xfrm>
+          <a:prstGeom prst="rect">
+            <a:avLst/>
+          </a:prstGeom>
+        </p:spPr>
+        <p:txBody>
+          <a:bodyPr vert="horz" lIns="91440" tIns="45720" rIns="91440" bIns="45720" rtlCol="0"/>
+          <a:lstStyle>
+            <a:lvl1pPr algn="r">
+              <a:defRPr sz="1200"/>
+            </a:lvl1pPr>
+          </a:lstStyle>
+          <a:p>
+            <a:fld id="{2BDA1FB4-8E38-4CEB-9ECB-65C04D5EAEF4}" type="datetimeFigureOut">
+              <a:rPr lang="en-US" smtClean="0"/>
+              <a:t>3/11/2021</a:t>
+            </a:fld>
+            <a:endParaRPr lang="en-US"/>
+          </a:p>
+        </p:txBody>
+      </p:sp>
+      <p:sp>
+        <p:nvSpPr>
+          <p:cNvPr id="4" name="Symbol zastępczy obrazu slajdu 3"/>
+          <p:cNvSpPr>
+            <a:spLocks noGrp="1" noRot="1" noChangeAspect="1"/>
+          </p:cNvSpPr>
+          <p:nvPr>
+            <p:ph type="sldImg" idx="2"/>
+          </p:nvPr>
+        </p:nvSpPr>
+        <p:spPr>
+          <a:xfrm>
+            <a:off x="685800" y="1143000"/>
+            <a:ext cx="5486400" cy="3086100"/>
+          </a:xfrm>
+          <a:prstGeom prst="rect">
+            <a:avLst/>
+          </a:prstGeom>
+          <a:noFill/>
+          <a:ln w="12700">
+            <a:solidFill>
+              <a:prstClr val="black"/>
+            </a:solidFill>
+          </a:ln>
+        </p:spPr>
+        <p:txBody>
+          <a:bodyPr vert="horz" lIns="91440" tIns="45720" rIns="91440" bIns="45720" rtlCol="0" anchor="ctr"/>
+          <a:lstStyle/>
+          <a:p>
+            <a:endParaRPr lang="en-US"/>
+          </a:p>
+        </p:txBody>
+      </p:sp>
+      <p:sp>
+        <p:nvSpPr>
+          <p:cNvPr id="5" name="Symbol zastępczy notatek 4"/>
+          <p:cNvSpPr>
+            <a:spLocks noGrp="1"/>
+          </p:cNvSpPr>
+          <p:nvPr>
+            <p:ph type="body" sz="quarter" idx="3"/>
+          </p:nvPr>
+        </p:nvSpPr>
+        <p:spPr>
+          <a:xfrm>
+            <a:off x="685800" y="4400550"/>
+            <a:ext cx="5486400" cy="3600450"/>
+          </a:xfrm>
+          <a:prstGeom prst="rect">
+            <a:avLst/>
+          </a:prstGeom>
+        </p:spPr>
+        <p:txBody>
+          <a:bodyPr vert="horz" lIns="91440" tIns="45720" rIns="91440" bIns="45720" rtlCol="0"/>
+          <a:lstStyle/>
+          <a:p>
+            <a:pPr lvl="0"/>
+            <a:r>
+              <a:rPr lang="pl-PL"/>
+              <a:t>Kliknij, aby edytować style wzorca tekstu</a:t>
+            </a:r>
+          </a:p>
+          <a:p>
+            <a:pPr lvl="1"/>
+            <a:r>
+              <a:rPr lang="pl-PL"/>
+              <a:t>Drugi poziom</a:t>
+            </a:r>
+          </a:p>
+          <a:p>
+            <a:pPr lvl="2"/>
+            <a:r>
+              <a:rPr lang="pl-PL"/>
+              <a:t>Trzeci poziom</a:t>
+            </a:r>
+          </a:p>
+          <a:p>
+            <a:pPr lvl="3"/>
+            <a:r>
+              <a:rPr lang="pl-PL"/>
+              <a:t>Czwarty poziom</a:t>
+            </a:r>
+          </a:p>
+          <a:p>
+            <a:pPr lvl="4"/>
+            <a:r>
+              <a:rPr lang="pl-PL"/>
+              <a:t>Piąty poziom</a:t>
+            </a:r>
+            <a:endParaRPr lang="en-US"/>
+          </a:p>
+        </p:txBody>
+      </p:sp>
+      <p:sp>
+        <p:nvSpPr>
+          <p:cNvPr id="6" name="Symbol zastępczy stopki 5"/>
+          <p:cNvSpPr>
+            <a:spLocks noGrp="1"/>
+          </p:cNvSpPr>
+          <p:nvPr>
+            <p:ph type="ftr" sz="quarter" idx="4"/>
+          </p:nvPr>
+        </p:nvSpPr>
+        <p:spPr>
+          <a:xfrm>
+            <a:off x="0" y="8685213"/>
+            <a:ext cx="2971800" cy="458787"/>
+          </a:xfrm>
+          <a:prstGeom prst="rect">
+            <a:avLst/>
+          </a:prstGeom>
+        </p:spPr>
+        <p:txBody>
+          <a:bodyPr vert="horz" lIns="91440" tIns="45720" rIns="91440" bIns="45720" rtlCol="0" anchor="b"/>
+          <a:lstStyle>
+            <a:lvl1pPr algn="l">
+              <a:defRPr sz="1200"/>
+            </a:lvl1pPr>
+          </a:lstStyle>
+          <a:p>
+            <a:endParaRPr lang="en-US"/>
+          </a:p>
+        </p:txBody>
+      </p:sp>
+      <p:sp>
+        <p:nvSpPr>
+          <p:cNvPr id="7" name="Symbol zastępczy numeru slajdu 6"/>
+          <p:cNvSpPr>
+            <a:spLocks noGrp="1"/>
+          </p:cNvSpPr>
+          <p:nvPr>
+            <p:ph type="sldNum" sz="quarter" idx="5"/>
+          </p:nvPr>
+        </p:nvSpPr>
+        <p:spPr>
+          <a:xfrm>
+            <a:off x="3884613" y="8685213"/>
+            <a:ext cx="2971800" cy="458787"/>
+          </a:xfrm>
+          <a:prstGeom prst="rect">
+            <a:avLst/>
+          </a:prstGeom>
+        </p:spPr>
+        <p:txBody>
+          <a:bodyPr vert="horz" lIns="91440" tIns="45720" rIns="91440" bIns="45720" rtlCol="0" anchor="b"/>
+          <a:lstStyle>
+            <a:lvl1pPr algn="r">
+              <a:defRPr sz="1200"/>
+            </a:lvl1pPr>
+          </a:lstStyle>
+          <a:p>
+            <a:fld id="{45D38039-D5F5-4949-A49B-4447AEE3E6F0}" type="slidenum">
+              <a:rPr lang="en-US" smtClean="0"/>
+              <a:t>‹#›</a:t>
+            </a:fld>
+            <a:endParaRPr lang="en-US"/>
+          </a:p>
+        </p:txBody>
+      </p:sp>
+    </p:spTree>
+    <p:extLst>
+      <p:ext uri="{BB962C8B-B14F-4D97-AF65-F5344CB8AC3E}">
+        <p14:creationId xmlns:p14="http://schemas.microsoft.com/office/powerpoint/2010/main" val="3819236125"/>
+      </p:ext>
+    </p:extLst>
+  </p:cSld>
+  <p:clrMap bg1="lt1" tx1="dk1" bg2="lt2" tx2="dk2" accent1="accent1" accent2="accent2" accent3="accent3" accent4="accent4" accent5="accent5" accent6="accent6" hlink="hlink" folHlink="folHlink"/>
+  <p:notesStyle>
+    <a:lvl1pPr marL="0" algn="l" defTabSz="914400" rtl="0" eaLnBrk="1" latinLnBrk="0" hangingPunct="1">
+      <a:defRPr sz="1200" kern="1200">
+        <a:solidFill>
+          <a:schemeClr val="tx1"/>
+        </a:solidFill>
+        <a:latin typeface="+mn-lt"/>
+        <a:ea typeface="+mn-ea"/>
+        <a:cs typeface="+mn-cs"/>
+      </a:defRPr>
+    </a:lvl1pPr>
+    <a:lvl2pPr marL="457200" algn="l" defTabSz="914400" rtl="0" eaLnBrk="1" latinLnBrk="0" hangingPunct="1">
+      <a:defRPr sz="1200" kern="1200">
+        <a:solidFill>
+          <a:schemeClr val="tx1"/>
+        </a:solidFill>
+        <a:latin typeface="+mn-lt"/>
+        <a:ea typeface="+mn-ea"/>
+        <a:cs typeface="+mn-cs"/>
+      </a:defRPr>
+    </a:lvl2pPr>
+    <a:lvl3pPr marL="914400" algn="l" defTabSz="914400" rtl="0" eaLnBrk="1" latinLnBrk="0" hangingPunct="1">
+      <a:defRPr sz="1200" kern="1200">
+        <a:solidFill>
+          <a:schemeClr val="tx1"/>
+        </a:solidFill>
+        <a:latin typeface="+mn-lt"/>
+        <a:ea typeface="+mn-ea"/>
+        <a:cs typeface="+mn-cs"/>
+      </a:defRPr>
+    </a:lvl3pPr>
+    <a:lvl4pPr marL="1371600" algn="l" defTabSz="914400" rtl="0" eaLnBrk="1" latinLnBrk="0" hangingPunct="1">
+      <a:defRPr sz="1200" kern="1200">
+        <a:solidFill>
+          <a:schemeClr val="tx1"/>
+        </a:solidFill>
+        <a:latin typeface="+mn-lt"/>
+        <a:ea typeface="+mn-ea"/>
+        <a:cs typeface="+mn-cs"/>
+      </a:defRPr>
+    </a:lvl4pPr>
+    <a:lvl5pPr marL="1828800" algn="l" defTabSz="914400" rtl="0" eaLnBrk="1" latinLnBrk="0" hangingPunct="1">
+      <a:defRPr sz="1200" kern="1200">
+        <a:solidFill>
+          <a:schemeClr val="tx1"/>
+        </a:solidFill>
+        <a:latin typeface="+mn-lt"/>
+        <a:ea typeface="+mn-ea"/>
+        <a:cs typeface="+mn-cs"/>
+      </a:defRPr>
+    </a:lvl5pPr>
+    <a:lvl6pPr marL="2286000" algn="l" defTabSz="914400" rtl="0" eaLnBrk="1" latinLnBrk="0" hangingPunct="1">
+      <a:defRPr sz="1200" kern="1200">
+        <a:solidFill>
+          <a:schemeClr val="tx1"/>
+        </a:solidFill>
+        <a:latin typeface="+mn-lt"/>
+        <a:ea typeface="+mn-ea"/>
+        <a:cs typeface="+mn-cs"/>
+      </a:defRPr>
+    </a:lvl6pPr>
+    <a:lvl7pPr marL="2743200" algn="l" defTabSz="914400" rtl="0" eaLnBrk="1" latinLnBrk="0" hangingPunct="1">
+      <a:defRPr sz="1200" kern="1200">
+        <a:solidFill>
+          <a:schemeClr val="tx1"/>
+        </a:solidFill>
+        <a:latin typeface="+mn-lt"/>
+        <a:ea typeface="+mn-ea"/>
+        <a:cs typeface="+mn-cs"/>
+      </a:defRPr>
+    </a:lvl7pPr>
+    <a:lvl8pPr marL="3200400" algn="l" defTabSz="914400" rtl="0" eaLnBrk="1" latinLnBrk="0" hangingPunct="1">
+      <a:defRPr sz="1200" kern="1200">
+        <a:solidFill>
+          <a:schemeClr val="tx1"/>
+        </a:solidFill>
+        <a:latin typeface="+mn-lt"/>
+        <a:ea typeface="+mn-ea"/>
+        <a:cs typeface="+mn-cs"/>
+      </a:defRPr>
+    </a:lvl8pPr>
+    <a:lvl9pPr marL="3657600" algn="l" defTabSz="914400" rtl="0" eaLnBrk="1" latinLnBrk="0" hangingPunct="1">
+      <a:defRPr sz="1200" kern="1200">
+        <a:solidFill>
+          <a:schemeClr val="tx1"/>
+        </a:solidFill>
+        <a:latin typeface="+mn-lt"/>
+        <a:ea typeface="+mn-ea"/>
+        <a:cs typeface="+mn-cs"/>
+      </a:defRPr>
+    </a:lvl9pPr>
+  </p:notesStyle>
+</p:notesMaster>
+</file>
+
+<file path=ppt/notesSlides/notesSlide1.xml><?xml version="1.0" encoding="utf-8"?>
+<p:notes xmlns:a="http://schemas.openxmlformats.org/drawingml/2006/main" xmlns:r="http://schemas.openxmlformats.org/officeDocument/2006/relationships" xmlns:p="http://schemas.openxmlformats.org/presentationml/2006/main">
+  <p:cSld>
+    <p:spTree>
+      <p:nvGrpSpPr>
+        <p:cNvPr id="1" name=""/>
+        <p:cNvGrpSpPr/>
+        <p:nvPr/>
+      </p:nvGrpSpPr>
+      <p:grpSpPr>
+        <a:xfrm>
+          <a:off x="0" y="0"/>
+          <a:ext cx="0" cy="0"/>
+          <a:chOff x="0" y="0"/>
+          <a:chExt cx="0" cy="0"/>
+        </a:xfrm>
+      </p:grpSpPr>
+      <p:sp>
+        <p:nvSpPr>
+          <p:cNvPr id="2" name="Symbol zastępczy obrazu slajdu 1"/>
+          <p:cNvSpPr>
+            <a:spLocks noGrp="1" noRot="1" noChangeAspect="1"/>
+          </p:cNvSpPr>
+          <p:nvPr>
+            <p:ph type="sldImg"/>
+          </p:nvPr>
+        </p:nvSpPr>
+        <p:spPr/>
+      </p:sp>
+      <p:sp>
+        <p:nvSpPr>
+          <p:cNvPr id="3" name="Symbol zastępczy notatek 2"/>
+          <p:cNvSpPr>
+            <a:spLocks noGrp="1"/>
+          </p:cNvSpPr>
+          <p:nvPr>
+            <p:ph type="body" idx="1"/>
+          </p:nvPr>
+        </p:nvSpPr>
+        <p:spPr/>
+        <p:txBody>
+          <a:bodyPr/>
+          <a:lstStyle/>
+          <a:p>
+            <a:endParaRPr lang="en-US" dirty="0"/>
+          </a:p>
+        </p:txBody>
+      </p:sp>
+      <p:sp>
+        <p:nvSpPr>
+          <p:cNvPr id="4" name="Symbol zastępczy numeru slajdu 3"/>
+          <p:cNvSpPr>
+            <a:spLocks noGrp="1"/>
+          </p:cNvSpPr>
+          <p:nvPr>
+            <p:ph type="sldNum" sz="quarter" idx="5"/>
+          </p:nvPr>
+        </p:nvSpPr>
+        <p:spPr/>
+        <p:txBody>
+          <a:bodyPr/>
+          <a:lstStyle/>
+          <a:p>
+            <a:fld id="{45D38039-D5F5-4949-A49B-4447AEE3E6F0}" type="slidenum">
+              <a:rPr lang="en-US" smtClean="0"/>
+              <a:t>14</a:t>
+            </a:fld>
+            <a:endParaRPr lang="en-US"/>
+          </a:p>
+        </p:txBody>
+      </p:sp>
+    </p:spTree>
+    <p:extLst>
+      <p:ext uri="{BB962C8B-B14F-4D97-AF65-F5344CB8AC3E}">
+        <p14:creationId xmlns:p14="http://schemas.microsoft.com/office/powerpoint/2010/main" val="1309816641"/>
+      </p:ext>
+    </p:extLst>
+  </p:cSld>
+  <p:clrMapOvr>
+    <a:masterClrMapping/>
+  </p:clrMapOvr>
+</p:notes>
 </file>
 
 <file path=ppt/slideLayouts/slideLayout1.xml><?xml version="1.0" encoding="utf-8"?>
@@ -3009,7 +4110,7 @@
           <a:p>
             <a:fld id="{C764DE79-268F-4C1A-8933-263129D2AF90}" type="datetimeFigureOut">
               <a:rPr lang="en-US" dirty="0"/>
-              <a:t>3/6/2021</a:t>
+              <a:t>3/11/2021</a:t>
             </a:fld>
             <a:endParaRPr lang="en-US"/>
           </a:p>
@@ -3179,7 +4280,7 @@
           <a:p>
             <a:fld id="{C764DE79-268F-4C1A-8933-263129D2AF90}" type="datetimeFigureOut">
               <a:rPr lang="en-US" dirty="0"/>
-              <a:t>3/6/2021</a:t>
+              <a:t>3/11/2021</a:t>
             </a:fld>
             <a:endParaRPr lang="en-US"/>
           </a:p>
@@ -3359,7 +4460,7 @@
           <a:p>
             <a:fld id="{C764DE79-268F-4C1A-8933-263129D2AF90}" type="datetimeFigureOut">
               <a:rPr lang="en-US" dirty="0"/>
-              <a:t>3/6/2021</a:t>
+              <a:t>3/11/2021</a:t>
             </a:fld>
             <a:endParaRPr lang="en-US"/>
           </a:p>
@@ -3529,7 +4630,7 @@
           <a:p>
             <a:fld id="{C764DE79-268F-4C1A-8933-263129D2AF90}" type="datetimeFigureOut">
               <a:rPr lang="en-US" dirty="0"/>
-              <a:t>3/6/2021</a:t>
+              <a:t>3/11/2021</a:t>
             </a:fld>
             <a:endParaRPr lang="en-US"/>
           </a:p>
@@ -3775,7 +4876,7 @@
           <a:p>
             <a:fld id="{C764DE79-268F-4C1A-8933-263129D2AF90}" type="datetimeFigureOut">
               <a:rPr lang="en-US" dirty="0"/>
-              <a:t>3/6/2021</a:t>
+              <a:t>3/11/2021</a:t>
             </a:fld>
             <a:endParaRPr lang="en-US"/>
           </a:p>
@@ -4007,7 +5108,7 @@
           <a:p>
             <a:fld id="{C764DE79-268F-4C1A-8933-263129D2AF90}" type="datetimeFigureOut">
               <a:rPr lang="en-US" dirty="0"/>
-              <a:t>3/6/2021</a:t>
+              <a:t>3/11/2021</a:t>
             </a:fld>
             <a:endParaRPr lang="en-US"/>
           </a:p>
@@ -4374,7 +5475,7 @@
           <a:p>
             <a:fld id="{C764DE79-268F-4C1A-8933-263129D2AF90}" type="datetimeFigureOut">
               <a:rPr lang="en-US" dirty="0"/>
-              <a:t>3/6/2021</a:t>
+              <a:t>3/11/2021</a:t>
             </a:fld>
             <a:endParaRPr lang="en-US"/>
           </a:p>
@@ -4492,7 +5593,7 @@
           <a:p>
             <a:fld id="{C764DE79-268F-4C1A-8933-263129D2AF90}" type="datetimeFigureOut">
               <a:rPr lang="en-US" dirty="0"/>
-              <a:t>3/6/2021</a:t>
+              <a:t>3/11/2021</a:t>
             </a:fld>
             <a:endParaRPr lang="en-US"/>
           </a:p>
@@ -4587,7 +5688,7 @@
           <a:p>
             <a:fld id="{C764DE79-268F-4C1A-8933-263129D2AF90}" type="datetimeFigureOut">
               <a:rPr lang="en-US" dirty="0"/>
-              <a:t>3/6/2021</a:t>
+              <a:t>3/11/2021</a:t>
             </a:fld>
             <a:endParaRPr lang="en-US"/>
           </a:p>
@@ -4864,7 +5965,7 @@
           <a:p>
             <a:fld id="{C764DE79-268F-4C1A-8933-263129D2AF90}" type="datetimeFigureOut">
               <a:rPr lang="en-US" dirty="0"/>
-              <a:t>3/6/2021</a:t>
+              <a:t>3/11/2021</a:t>
             </a:fld>
             <a:endParaRPr lang="en-US"/>
           </a:p>
@@ -5121,7 +6222,7 @@
           <a:p>
             <a:fld id="{C764DE79-268F-4C1A-8933-263129D2AF90}" type="datetimeFigureOut">
               <a:rPr lang="en-US" dirty="0"/>
-              <a:t>3/6/2021</a:t>
+              <a:t>3/11/2021</a:t>
             </a:fld>
             <a:endParaRPr lang="en-US"/>
           </a:p>
@@ -5334,7 +6435,7 @@
           <a:p>
             <a:fld id="{C764DE79-268F-4C1A-8933-263129D2AF90}" type="datetimeFigureOut">
               <a:rPr lang="en-US" dirty="0"/>
-              <a:t>3/6/2021</a:t>
+              <a:t>3/11/2021</a:t>
             </a:fld>
             <a:endParaRPr lang="en-US"/>
           </a:p>
@@ -5798,7 +6899,7 @@
         <p:spPr>
           <a:xfrm>
             <a:off x="870857" y="2380343"/>
-            <a:ext cx="8873711" cy="2769989"/>
+            <a:ext cx="8873711" cy="4062651"/>
           </a:xfrm>
           <a:prstGeom prst="rect">
             <a:avLst/>
@@ -5833,10 +6934,43 @@
           </a:p>
           <a:p>
             <a:r>
-              <a:rPr lang="pl-PL" sz="2800" b="1" dirty="0"/>
-              <a:t>March 6, 2021</a:t>
-            </a:r>
-            <a:endParaRPr lang="en-US" sz="2800" b="1" dirty="0"/>
+              <a:rPr lang="en-US" sz="2800" b="1" dirty="0"/>
+              <a:t>Name: </a:t>
+            </a:r>
+            <a:r>
+              <a:rPr lang="en-US" sz="2800" dirty="0"/>
+              <a:t>Roger Burek-Bors</a:t>
+            </a:r>
+          </a:p>
+          <a:p>
+            <a:r>
+              <a:rPr lang="en-US" sz="2800" b="1" dirty="0"/>
+              <a:t>Location: </a:t>
+            </a:r>
+            <a:r>
+              <a:rPr lang="en-US" sz="2800" dirty="0"/>
+              <a:t>Warsaw, Poland</a:t>
+            </a:r>
+          </a:p>
+          <a:p>
+            <a:r>
+              <a:rPr lang="en-US" sz="2800" b="1" dirty="0"/>
+              <a:t>Team: </a:t>
+            </a:r>
+            <a:r>
+              <a:rPr lang="en-US" sz="2800" dirty="0"/>
+              <a:t>Data and Analytics</a:t>
+            </a:r>
+          </a:p>
+          <a:p>
+            <a:r>
+              <a:rPr lang="en-US" sz="2800" b="1" dirty="0"/>
+              <a:t>Date: </a:t>
+            </a:r>
+            <a:r>
+              <a:rPr lang="en-US" sz="2800" dirty="0"/>
+              <a:t>March 11, 2021</a:t>
+            </a:r>
           </a:p>
         </p:txBody>
       </p:sp>
@@ -6060,7 +7194,7 @@
         </p:spPr>
         <p:txBody>
           <a:bodyPr vert="vert270" lIns="91440" tIns="45720" rIns="91440" bIns="45720" rtlCol="0" anchor="ctr" anchorCtr="0">
-            <a:normAutofit/>
+            <a:normAutofit fontScale="92500" lnSpcReduction="10000"/>
           </a:bodyPr>
           <a:lstStyle>
             <a:lvl1pPr algn="l" defTabSz="914400" rtl="0" eaLnBrk="1" latinLnBrk="0" hangingPunct="1">
@@ -6089,37 +7223,19 @@
                   <a:srgbClr val="FF6600"/>
                 </a:solidFill>
               </a:rPr>
-              <a:t>EDA</a:t>
-            </a:r>
-            <a:r>
-              <a:rPr lang="pl-PL" b="1" dirty="0">
+              <a:t>EDA - Hypothesis no. 2</a:t>
+            </a:r>
+          </a:p>
+          <a:p>
+            <a:pPr algn="ctr"/>
+            <a:r>
+              <a:rPr lang="en-US" b="1" dirty="0">
                 <a:solidFill>
                   <a:srgbClr val="FF6600"/>
                 </a:solidFill>
               </a:rPr>
-              <a:t> - </a:t>
-            </a:r>
-            <a:r>
-              <a:rPr lang="pl-PL" b="1" dirty="0" err="1">
-                <a:solidFill>
-                  <a:srgbClr val="FF6600"/>
-                </a:solidFill>
-              </a:rPr>
-              <a:t>Hypothesis</a:t>
-            </a:r>
-            <a:r>
-              <a:rPr lang="pl-PL" b="1" dirty="0">
-                <a:solidFill>
-                  <a:srgbClr val="FF6600"/>
-                </a:solidFill>
-              </a:rPr>
-              <a:t> no. 2  </a:t>
-            </a:r>
-            <a:endParaRPr lang="en-US" b="1" dirty="0">
-              <a:solidFill>
-                <a:srgbClr val="FF6600"/>
-              </a:solidFill>
-            </a:endParaRPr>
+              <a:t>„size of market”  </a:t>
+            </a:r>
           </a:p>
         </p:txBody>
       </p:sp>
@@ -6315,7 +7431,7 @@
         </p:spPr>
         <p:txBody>
           <a:bodyPr vert="vert270" lIns="91440" tIns="45720" rIns="91440" bIns="45720" rtlCol="0" anchor="ctr" anchorCtr="0">
-            <a:normAutofit/>
+            <a:normAutofit fontScale="92500" lnSpcReduction="10000"/>
           </a:bodyPr>
           <a:lstStyle>
             <a:lvl1pPr algn="l" defTabSz="914400" rtl="0" eaLnBrk="1" latinLnBrk="0" hangingPunct="1">
@@ -6344,37 +7460,19 @@
                   <a:srgbClr val="FF6600"/>
                 </a:solidFill>
               </a:rPr>
-              <a:t>EDA</a:t>
-            </a:r>
-            <a:r>
-              <a:rPr lang="pl-PL" b="1" dirty="0">
+              <a:t>EDA - Hypothesis no. 3</a:t>
+            </a:r>
+          </a:p>
+          <a:p>
+            <a:pPr algn="ctr"/>
+            <a:r>
+              <a:rPr lang="en-US" b="1" dirty="0">
                 <a:solidFill>
                   <a:srgbClr val="FF6600"/>
                 </a:solidFill>
               </a:rPr>
-              <a:t> - </a:t>
-            </a:r>
-            <a:r>
-              <a:rPr lang="pl-PL" b="1" dirty="0" err="1">
-                <a:solidFill>
-                  <a:srgbClr val="FF6600"/>
-                </a:solidFill>
-              </a:rPr>
-              <a:t>Hypothesis</a:t>
-            </a:r>
-            <a:r>
-              <a:rPr lang="pl-PL" b="1" dirty="0">
-                <a:solidFill>
-                  <a:srgbClr val="FF6600"/>
-                </a:solidFill>
-              </a:rPr>
-              <a:t> no. 3  </a:t>
-            </a:r>
-            <a:endParaRPr lang="en-US" b="1" dirty="0">
-              <a:solidFill>
-                <a:srgbClr val="FF6600"/>
-              </a:solidFill>
-            </a:endParaRPr>
+              <a:t>„cost, income &amp; profit” </a:t>
+            </a:r>
           </a:p>
         </p:txBody>
       </p:sp>
@@ -6436,7 +7534,7 @@
         </p:spPr>
         <p:txBody>
           <a:bodyPr vert="vert270" lIns="91440" tIns="45720" rIns="91440" bIns="45720" rtlCol="0" anchor="ctr" anchorCtr="0">
-            <a:normAutofit/>
+            <a:normAutofit fontScale="92500" lnSpcReduction="10000"/>
           </a:bodyPr>
           <a:lstStyle>
             <a:lvl1pPr algn="l" defTabSz="914400" rtl="0" eaLnBrk="1" latinLnBrk="0" hangingPunct="1">
@@ -6465,37 +7563,19 @@
                   <a:srgbClr val="FF6600"/>
                 </a:solidFill>
               </a:rPr>
-              <a:t>EDA</a:t>
-            </a:r>
-            <a:r>
-              <a:rPr lang="pl-PL" b="1" dirty="0">
+              <a:t>EDA - Hypothesis no. 4</a:t>
+            </a:r>
+          </a:p>
+          <a:p>
+            <a:pPr algn="ctr"/>
+            <a:r>
+              <a:rPr lang="en-US" b="1" dirty="0">
                 <a:solidFill>
                   <a:srgbClr val="FF6600"/>
                 </a:solidFill>
               </a:rPr>
-              <a:t> - </a:t>
-            </a:r>
-            <a:r>
-              <a:rPr lang="pl-PL" b="1" dirty="0" err="1">
-                <a:solidFill>
-                  <a:srgbClr val="FF6600"/>
-                </a:solidFill>
-              </a:rPr>
-              <a:t>Hypothesis</a:t>
-            </a:r>
-            <a:r>
-              <a:rPr lang="pl-PL" b="1" dirty="0">
-                <a:solidFill>
-                  <a:srgbClr val="FF6600"/>
-                </a:solidFill>
-              </a:rPr>
-              <a:t> no. 4  </a:t>
-            </a:r>
-            <a:endParaRPr lang="en-US" b="1" dirty="0">
-              <a:solidFill>
-                <a:srgbClr val="FF6600"/>
-              </a:solidFill>
-            </a:endParaRPr>
+              <a:t>„parameters of trips”  </a:t>
+            </a:r>
           </a:p>
         </p:txBody>
       </p:sp>
@@ -6918,7 +7998,7 @@
         </p:spPr>
         <p:txBody>
           <a:bodyPr vert="vert270" lIns="91440" tIns="45720" rIns="91440" bIns="45720" rtlCol="0" anchor="ctr" anchorCtr="0">
-            <a:normAutofit/>
+            <a:normAutofit fontScale="92500" lnSpcReduction="10000"/>
           </a:bodyPr>
           <a:lstStyle>
             <a:lvl1pPr algn="l" defTabSz="914400" rtl="0" eaLnBrk="1" latinLnBrk="0" hangingPunct="1">
@@ -6947,37 +8027,19 @@
                   <a:srgbClr val="FF6600"/>
                 </a:solidFill>
               </a:rPr>
-              <a:t>EDA</a:t>
-            </a:r>
-            <a:r>
-              <a:rPr lang="pl-PL" b="1" dirty="0">
+              <a:t>EDA - Hypothesis no. 5</a:t>
+            </a:r>
+          </a:p>
+          <a:p>
+            <a:pPr algn="ctr"/>
+            <a:r>
+              <a:rPr lang="en-US" b="1" dirty="0">
                 <a:solidFill>
                   <a:srgbClr val="FF6600"/>
                 </a:solidFill>
               </a:rPr>
-              <a:t> - </a:t>
-            </a:r>
-            <a:r>
-              <a:rPr lang="pl-PL" b="1" dirty="0" err="1">
-                <a:solidFill>
-                  <a:srgbClr val="FF6600"/>
-                </a:solidFill>
-              </a:rPr>
-              <a:t>Hypothesis</a:t>
-            </a:r>
-            <a:r>
-              <a:rPr lang="pl-PL" b="1" dirty="0">
-                <a:solidFill>
-                  <a:srgbClr val="FF6600"/>
-                </a:solidFill>
-              </a:rPr>
-              <a:t> no. 5  </a:t>
-            </a:r>
-            <a:endParaRPr lang="en-US" b="1" dirty="0">
-              <a:solidFill>
-                <a:srgbClr val="FF6600"/>
-              </a:solidFill>
-            </a:endParaRPr>
+              <a:t>„payment methods”  </a:t>
+            </a:r>
           </a:p>
         </p:txBody>
       </p:sp>
@@ -7260,18 +8322,18 @@
             <p:ph idx="1"/>
             <p:extLst>
               <p:ext uri="{D42A27DB-BD31-4B8C-83A1-F6EECF244321}">
-                <p14:modId xmlns:p14="http://schemas.microsoft.com/office/powerpoint/2010/main" val="2749201937"/>
+                <p14:modId xmlns:p14="http://schemas.microsoft.com/office/powerpoint/2010/main" val="397790308"/>
               </p:ext>
             </p:extLst>
           </p:nvPr>
         </p:nvGraphicFramePr>
         <p:xfrm>
-          <a:off x="838200" y="1825625"/>
-          <a:ext cx="10515600" cy="4351338"/>
+          <a:off x="212557" y="1416551"/>
+          <a:ext cx="11650579" cy="5188785"/>
         </p:xfrm>
         <a:graphic>
           <a:graphicData uri="http://schemas.openxmlformats.org/drawingml/2006/chart">
-            <c:chart xmlns:c="http://schemas.openxmlformats.org/drawingml/2006/chart" xmlns:r="http://schemas.openxmlformats.org/officeDocument/2006/relationships" r:id="rId2"/>
+            <c:chart xmlns:c="http://schemas.openxmlformats.org/drawingml/2006/chart" xmlns:r="http://schemas.openxmlformats.org/officeDocument/2006/relationships" r:id="rId3"/>
           </a:graphicData>
         </a:graphic>
       </p:graphicFrame>
@@ -7303,7 +8365,7 @@
         </p:spPr>
         <p:txBody>
           <a:bodyPr vert="vert270" lIns="91440" tIns="45720" rIns="91440" bIns="45720" rtlCol="0" anchor="ctr" anchorCtr="0">
-            <a:normAutofit/>
+            <a:normAutofit fontScale="92500" lnSpcReduction="10000"/>
           </a:bodyPr>
           <a:lstStyle>
             <a:lvl1pPr algn="l" defTabSz="914400" rtl="0" eaLnBrk="1" latinLnBrk="0" hangingPunct="1">
@@ -7332,37 +8394,19 @@
                   <a:srgbClr val="FF6600"/>
                 </a:solidFill>
               </a:rPr>
-              <a:t>EDA</a:t>
-            </a:r>
-            <a:r>
-              <a:rPr lang="pl-PL" b="1" dirty="0">
+              <a:t>EDA - Hypothesis no. 6</a:t>
+            </a:r>
+          </a:p>
+          <a:p>
+            <a:pPr algn="ctr"/>
+            <a:r>
+              <a:rPr lang="en-US" b="1" dirty="0">
                 <a:solidFill>
                   <a:srgbClr val="FF6600"/>
                 </a:solidFill>
               </a:rPr>
-              <a:t> - </a:t>
-            </a:r>
-            <a:r>
-              <a:rPr lang="pl-PL" b="1" dirty="0" err="1">
-                <a:solidFill>
-                  <a:srgbClr val="FF6600"/>
-                </a:solidFill>
-              </a:rPr>
-              <a:t>Hypothesis</a:t>
-            </a:r>
-            <a:r>
-              <a:rPr lang="pl-PL" b="1" dirty="0">
-                <a:solidFill>
-                  <a:srgbClr val="FF6600"/>
-                </a:solidFill>
-              </a:rPr>
-              <a:t> no. 6  </a:t>
-            </a:r>
-            <a:endParaRPr lang="en-US" b="1" dirty="0">
-              <a:solidFill>
-                <a:srgbClr val="FF6600"/>
-              </a:solidFill>
-            </a:endParaRPr>
+              <a:t>„annual income and trends”  </a:t>
+            </a:r>
           </a:p>
         </p:txBody>
       </p:sp>
@@ -7576,15 +8620,7 @@
             <a:pPr algn="just"/>
             <a:r>
               <a:rPr lang="en-US" sz="2000" dirty="0"/>
-              <a:t>To choose between particular cab company we should understand the market first. Market situation in below 5 cities should be crucial to take investment decision. NY</a:t>
-            </a:r>
-            <a:r>
-              <a:rPr lang="pl-PL" sz="2000" dirty="0"/>
-              <a:t>C</a:t>
-            </a:r>
-            <a:r>
-              <a:rPr lang="en-US" sz="2000" dirty="0"/>
-              <a:t> provides the largest and outstanding market worth more than 56 million USD in analyzed period (2016-18). Cities that provided cab market bigger than 10 million USD in analyzed period (2016-18) are:</a:t>
+              <a:t>To choose between particular cab company we should understand the market first. Market situation in enumerated below cities should be crucial to take investment decision. NYC provides the largest and outstanding market worth more than 56 million USD in analyzed period (2016-18). Cities that provided cab market bigger than 10 million USD in analyzed period (2016-18) are:</a:t>
             </a:r>
           </a:p>
           <a:p>
@@ -7618,16 +8654,8 @@
           <a:p>
             <a:pPr algn="just"/>
             <a:r>
-              <a:rPr lang="pl-PL" sz="2000" dirty="0"/>
-              <a:t>A</a:t>
-            </a:r>
-            <a:r>
-              <a:rPr lang="en-US" sz="2000" dirty="0" err="1"/>
-              <a:t>nother</a:t>
-            </a:r>
-            <a:r>
               <a:rPr lang="en-US" sz="2000" dirty="0"/>
-              <a:t> important decision factor is number of users in particular city:</a:t>
+              <a:t>Another important decision factor is number of users in particular city:</a:t>
             </a:r>
           </a:p>
           <a:p>
@@ -7641,92 +8669,42 @@
             <a:pPr lvl="2" algn="just"/>
             <a:r>
               <a:rPr lang="en-US" sz="900" dirty="0"/>
-              <a:t>Boston MA – 80</a:t>
-            </a:r>
-            <a:r>
-              <a:rPr lang="pl-PL" sz="900" dirty="0"/>
-              <a:t>,</a:t>
-            </a:r>
+              <a:t>Boston MA – 80,021</a:t>
+            </a:r>
+          </a:p>
+          <a:p>
+            <a:pPr lvl="2" algn="just"/>
             <a:r>
               <a:rPr lang="en-US" sz="900" dirty="0"/>
-              <a:t>021</a:t>
+              <a:t>Washington D.C. – 127,001</a:t>
             </a:r>
           </a:p>
           <a:p>
             <a:pPr lvl="2" algn="just"/>
             <a:r>
               <a:rPr lang="en-US" sz="900" dirty="0"/>
-              <a:t>Washington D.C. – 127</a:t>
-            </a:r>
-            <a:r>
-              <a:rPr lang="pl-PL" sz="900" dirty="0"/>
-              <a:t>,</a:t>
-            </a:r>
+              <a:t>Los Angeles – 144,132</a:t>
+            </a:r>
+          </a:p>
+          <a:p>
+            <a:pPr lvl="2" algn="just"/>
             <a:r>
               <a:rPr lang="en-US" sz="900" dirty="0"/>
-              <a:t>001</a:t>
+              <a:t>Chicago IL – 164,468</a:t>
             </a:r>
           </a:p>
           <a:p>
             <a:pPr lvl="2" algn="just"/>
             <a:r>
               <a:rPr lang="en-US" sz="900" dirty="0"/>
-              <a:t>Los Angeles – 144</a:t>
-            </a:r>
-            <a:r>
-              <a:rPr lang="pl-PL" sz="900" dirty="0"/>
-              <a:t>,</a:t>
-            </a:r>
+              <a:t>San Francisco – 213,609</a:t>
+            </a:r>
+          </a:p>
+          <a:p>
+            <a:pPr lvl="2" algn="just"/>
             <a:r>
               <a:rPr lang="en-US" sz="900" dirty="0"/>
-              <a:t>132</a:t>
-            </a:r>
-          </a:p>
-          <a:p>
-            <a:pPr lvl="2" algn="just"/>
-            <a:r>
-              <a:rPr lang="en-US" sz="900" dirty="0"/>
-              <a:t>Chicago IL – 164</a:t>
-            </a:r>
-            <a:r>
-              <a:rPr lang="pl-PL" sz="900" dirty="0"/>
-              <a:t>,</a:t>
-            </a:r>
-            <a:r>
-              <a:rPr lang="en-US" sz="900" dirty="0"/>
-              <a:t>468</a:t>
-            </a:r>
-            <a:endParaRPr lang="pl-PL" sz="900" dirty="0"/>
-          </a:p>
-          <a:p>
-            <a:pPr lvl="2" algn="just"/>
-            <a:r>
-              <a:rPr lang="pl-PL" sz="900" dirty="0"/>
-              <a:t>San Francisco – 213,609</a:t>
-            </a:r>
-            <a:endParaRPr lang="en-US" sz="900" dirty="0"/>
-          </a:p>
-          <a:p>
-            <a:pPr lvl="2" algn="just"/>
-            <a:r>
-              <a:rPr lang="en-US" sz="900" dirty="0"/>
-              <a:t>NY</a:t>
-            </a:r>
-            <a:r>
-              <a:rPr lang="pl-PL" sz="900" dirty="0"/>
-              <a:t>C</a:t>
-            </a:r>
-            <a:r>
-              <a:rPr lang="en-US" sz="900" dirty="0"/>
-              <a:t> – 302</a:t>
-            </a:r>
-            <a:r>
-              <a:rPr lang="pl-PL" sz="900" dirty="0"/>
-              <a:t>,</a:t>
-            </a:r>
-            <a:r>
-              <a:rPr lang="en-US" sz="900" dirty="0"/>
-              <a:t>149</a:t>
+              <a:t>NYC – 302,149</a:t>
             </a:r>
           </a:p>
           <a:p>
@@ -7740,107 +8718,42 @@
             <a:pPr lvl="2" algn="just"/>
             <a:r>
               <a:rPr lang="en-US" sz="900" dirty="0"/>
-              <a:t>NY</a:t>
-            </a:r>
-            <a:r>
-              <a:rPr lang="pl-PL" sz="900"/>
-              <a:t>C</a:t>
-            </a:r>
-            <a:r>
-              <a:rPr lang="en-US" sz="900"/>
-              <a:t> </a:t>
-            </a:r>
+              <a:t>NYC – 3,595</a:t>
+            </a:r>
+          </a:p>
+          <a:p>
+            <a:pPr lvl="2" algn="just"/>
             <a:r>
               <a:rPr lang="en-US" sz="900" dirty="0"/>
-              <a:t>– 3</a:t>
-            </a:r>
-            <a:r>
-              <a:rPr lang="pl-PL" sz="900" dirty="0"/>
-              <a:t>,</a:t>
-            </a:r>
+              <a:t>Chicago IL – 8,412</a:t>
+            </a:r>
+          </a:p>
+          <a:p>
+            <a:pPr lvl="2" algn="just"/>
             <a:r>
               <a:rPr lang="en-US" sz="900" dirty="0"/>
-              <a:t>595</a:t>
+              <a:t>Los Angeles – 9,036</a:t>
             </a:r>
           </a:p>
           <a:p>
             <a:pPr lvl="2" algn="just"/>
             <a:r>
               <a:rPr lang="en-US" sz="900" dirty="0"/>
-              <a:t>Chicago IL – 8</a:t>
-            </a:r>
-            <a:r>
-              <a:rPr lang="pl-PL" sz="900" dirty="0"/>
-              <a:t>,</a:t>
-            </a:r>
+              <a:t>Washington D.C. – 30,321</a:t>
+            </a:r>
+          </a:p>
+          <a:p>
+            <a:pPr lvl="2" algn="just"/>
             <a:r>
               <a:rPr lang="en-US" sz="900" dirty="0"/>
-              <a:t>412</a:t>
+              <a:t>Boston MA – 32,141</a:t>
             </a:r>
           </a:p>
           <a:p>
             <a:pPr lvl="2" algn="just"/>
             <a:r>
               <a:rPr lang="en-US" sz="900" dirty="0"/>
-              <a:t>Los Angeles – 9</a:t>
-            </a:r>
-            <a:r>
-              <a:rPr lang="pl-PL" sz="900" dirty="0"/>
-              <a:t>,</a:t>
-            </a:r>
-            <a:r>
-              <a:rPr lang="en-US" sz="900" dirty="0"/>
-              <a:t>036</a:t>
-            </a:r>
-          </a:p>
-          <a:p>
-            <a:pPr lvl="2" algn="just"/>
-            <a:r>
-              <a:rPr lang="en-US" sz="900" dirty="0"/>
-              <a:t>Washington D.C. – 30</a:t>
-            </a:r>
-            <a:r>
-              <a:rPr lang="pl-PL" sz="900" dirty="0"/>
-              <a:t>,</a:t>
-            </a:r>
-            <a:r>
-              <a:rPr lang="en-US" sz="900" dirty="0"/>
-              <a:t>321</a:t>
-            </a:r>
-          </a:p>
-          <a:p>
-            <a:pPr lvl="2" algn="just"/>
-            <a:r>
-              <a:rPr lang="en-US" sz="900" dirty="0"/>
-              <a:t>Boston MA – 32</a:t>
-            </a:r>
-            <a:r>
-              <a:rPr lang="pl-PL" sz="900" dirty="0"/>
-              <a:t>,</a:t>
-            </a:r>
-            <a:r>
-              <a:rPr lang="en-US" sz="900" dirty="0"/>
-              <a:t>141</a:t>
-            </a:r>
-            <a:endParaRPr lang="pl-PL" sz="900" dirty="0"/>
-          </a:p>
-          <a:p>
-            <a:pPr lvl="2" algn="just"/>
-            <a:r>
-              <a:rPr lang="pl-PL" sz="900" dirty="0"/>
-              <a:t>San Francisco – </a:t>
-            </a:r>
-            <a:r>
-              <a:rPr lang="en-US" sz="900" dirty="0"/>
-              <a:t>33</a:t>
-            </a:r>
-            <a:r>
-              <a:rPr lang="pl-PL" sz="900" dirty="0"/>
-              <a:t>,</a:t>
-            </a:r>
-            <a:r>
-              <a:rPr lang="en-US" sz="900" dirty="0"/>
-              <a:t>928</a:t>
+              <a:t>San Francisco – 33,928</a:t>
             </a:r>
           </a:p>
         </p:txBody>
@@ -7968,8 +8881,8 @@
         </p:nvSpPr>
         <p:spPr>
           <a:xfrm>
-            <a:off x="477253" y="1392488"/>
-            <a:ext cx="10515600" cy="4351338"/>
+            <a:off x="477252" y="1296232"/>
+            <a:ext cx="11193379" cy="4226263"/>
           </a:xfrm>
         </p:spPr>
         <p:txBody>
@@ -7980,57 +8893,94 @@
           <a:p>
             <a:pPr algn="just"/>
             <a:r>
-              <a:rPr lang="en-AU" sz="2300" dirty="0"/>
-              <a:t>Therefore, investors should choose cab company based on data and metrics for above enumerated cities.</a:t>
+              <a:rPr lang="en-US" sz="2300" dirty="0"/>
+              <a:t>Therefore, investors should choose cab company based on data and metrics for those cities.</a:t>
             </a:r>
           </a:p>
           <a:p>
             <a:pPr algn="just"/>
             <a:r>
-              <a:rPr lang="en-AU" sz="2300" dirty="0"/>
-              <a:t>Yellow Cab scores more than 75% market in terms of value in NY City, Chicago, Los Angeles, Washington and Boston.</a:t>
+              <a:rPr lang="en-US" sz="2300" dirty="0"/>
+              <a:t>Yellow Cab took more than 75% market when it comes to revenue in NY City, Chicago, Los Angeles, Washington and Boston.</a:t>
             </a:r>
           </a:p>
           <a:p>
             <a:pPr algn="just"/>
             <a:r>
-              <a:rPr lang="en-AU" sz="2300" dirty="0"/>
-              <a:t>Still investors needs to produce strategy to lower cost of operation since Pink Cab has better metrics here.</a:t>
+              <a:rPr lang="en-US" sz="2300" dirty="0"/>
+              <a:t>Comparison of mean profit generated from all performed trip is in favor for Yellow Cab:</a:t>
+            </a:r>
+          </a:p>
+          <a:p>
+            <a:pPr lvl="1" algn="just"/>
+            <a:r>
+              <a:rPr lang="en-US" sz="1900" dirty="0"/>
+              <a:t>Yellow Cab – 160.25 $ (35% of income)</a:t>
+            </a:r>
+          </a:p>
+          <a:p>
+            <a:pPr lvl="1" algn="just"/>
+            <a:r>
+              <a:rPr lang="en-US" sz="1900" dirty="0"/>
+              <a:t>Pink Cab – 72.65 $ (23% of income)</a:t>
             </a:r>
           </a:p>
           <a:p>
             <a:pPr algn="just"/>
             <a:r>
-              <a:rPr lang="en-AU" sz="2300" dirty="0"/>
-              <a:t>Both companies have similar profit trends within the year and seasonality in demand which grows bigger in second part of the year.</a:t>
+              <a:rPr lang="en-US" sz="2300" dirty="0"/>
+              <a:t>Both companies have similar profit trends within the year, and </a:t>
+            </a:r>
+            <a:r>
+              <a:rPr lang="pl-PL" sz="2300" dirty="0" err="1"/>
+              <a:t>also</a:t>
+            </a:r>
+            <a:r>
+              <a:rPr lang="pl-PL" sz="2300" dirty="0"/>
+              <a:t> </a:t>
+            </a:r>
+            <a:r>
+              <a:rPr lang="en-US" sz="2300" dirty="0"/>
+              <a:t>while comparing year-to-year</a:t>
+            </a:r>
+            <a:r>
+              <a:rPr lang="pl-PL" sz="2300" dirty="0"/>
+              <a:t>.</a:t>
+            </a:r>
+            <a:r>
+              <a:rPr lang="en-US" sz="2300" dirty="0"/>
+              <a:t> </a:t>
+            </a:r>
+            <a:r>
+              <a:rPr lang="pl-PL" sz="2300" dirty="0"/>
+              <a:t>S</a:t>
+            </a:r>
+            <a:r>
+              <a:rPr lang="en-US" sz="2300" dirty="0" err="1"/>
+              <a:t>easonality</a:t>
+            </a:r>
+            <a:r>
+              <a:rPr lang="en-US" sz="2300" dirty="0"/>
+              <a:t> in demand grows bigger in second part of the year.</a:t>
             </a:r>
           </a:p>
           <a:p>
             <a:pPr algn="just"/>
             <a:r>
-              <a:rPr lang="en-AU" sz="2300" dirty="0"/>
+              <a:rPr lang="en-US" sz="2300" dirty="0"/>
               <a:t>Investing in Yellow Can require founds for equipping cabs with card terminals since card payments are the most popular among customers.</a:t>
             </a:r>
-          </a:p>
-          <a:p>
-            <a:pPr algn="just"/>
-            <a:endParaRPr lang="en-AU" sz="2300" dirty="0"/>
           </a:p>
           <a:p>
             <a:pPr marL="0" indent="0" algn="ctr">
               <a:buNone/>
             </a:pPr>
-            <a:r>
-              <a:rPr lang="en-AU" sz="2300" b="1" dirty="0"/>
-              <a:t>Final </a:t>
-            </a:r>
-            <a:r>
-              <a:rPr lang="en-AU" sz="2300" b="1" dirty="0" err="1"/>
-              <a:t>recomendation</a:t>
-            </a:r>
-            <a:r>
-              <a:rPr lang="en-AU" sz="2300" b="1" dirty="0"/>
-              <a:t>:</a:t>
+            <a:br>
+              <a:rPr lang="en-US" sz="2300" b="1" dirty="0"/>
+            </a:br>
+            <a:r>
+              <a:rPr lang="en-US" sz="2300" b="1" dirty="0"/>
+              <a:t>Final recommendation:</a:t>
             </a:r>
           </a:p>
           <a:p>
@@ -8038,14 +8988,14 @@
               <a:buNone/>
             </a:pPr>
             <a:r>
-              <a:rPr lang="en-AU" sz="2300" dirty="0"/>
+              <a:rPr lang="en-US" sz="2300" dirty="0"/>
               <a:t>I would recommend to investors Yellow Cab as they can count on more return </a:t>
             </a:r>
             <a:br>
-              <a:rPr lang="en-AU" sz="2300" dirty="0"/>
+              <a:rPr lang="en-US" sz="2300" dirty="0"/>
             </a:br>
             <a:r>
-              <a:rPr lang="en-AU" sz="2300" dirty="0"/>
+              <a:rPr lang="en-US" sz="2300" dirty="0"/>
               <a:t>on investment.</a:t>
             </a:r>
           </a:p>
@@ -8590,122 +9540,77 @@
           <a:p>
             <a:pPr algn="just"/>
             <a:r>
-              <a:rPr lang="en-AU" dirty="0"/>
+              <a:rPr lang="en-US" dirty="0"/>
               <a:t>Descriptive, correlation and contextual analysis were made to help XYZ firm in identification of the right cab company to make investment.</a:t>
             </a:r>
           </a:p>
           <a:p>
             <a:pPr algn="just"/>
             <a:r>
-              <a:rPr lang="en-AU" dirty="0"/>
+              <a:rPr lang="en-US" dirty="0"/>
               <a:t>6 hypothesis were constructed to gain knowledge on the subject and formulate final recommendation. Main topics included:</a:t>
             </a:r>
           </a:p>
           <a:p>
             <a:pPr lvl="1" algn="just"/>
             <a:r>
-              <a:rPr lang="en-AU" dirty="0"/>
+              <a:rPr lang="en-US" dirty="0"/>
               <a:t>patterns among cities when it comes to population and cab users</a:t>
             </a:r>
           </a:p>
           <a:p>
             <a:pPr lvl="1" algn="just"/>
             <a:r>
-              <a:rPr lang="en-AU" dirty="0"/>
+              <a:rPr lang="en-US" dirty="0"/>
               <a:t>market size and access</a:t>
             </a:r>
           </a:p>
           <a:p>
             <a:pPr lvl="1" algn="just"/>
             <a:r>
-              <a:rPr lang="en-AU" dirty="0"/>
-              <a:t>cost, </a:t>
-            </a:r>
-            <a:r>
-              <a:rPr lang="pl-PL" dirty="0"/>
-              <a:t>i</a:t>
-            </a:r>
-            <a:r>
-              <a:rPr lang="en-AU" dirty="0" err="1"/>
-              <a:t>ncome</a:t>
-            </a:r>
-            <a:r>
-              <a:rPr lang="en-AU" dirty="0"/>
-              <a:t> and profit per each company</a:t>
+              <a:rPr lang="en-US" dirty="0"/>
+              <a:t>cost, income and profit per each company</a:t>
             </a:r>
           </a:p>
           <a:p>
             <a:pPr lvl="1" algn="just"/>
             <a:r>
-              <a:rPr lang="en-AU" dirty="0"/>
+              <a:rPr lang="en-US" dirty="0"/>
               <a:t>trip patterns in particular cities per each company</a:t>
             </a:r>
           </a:p>
           <a:p>
             <a:pPr lvl="1" algn="just"/>
             <a:r>
-              <a:rPr lang="en-AU" dirty="0"/>
+              <a:rPr lang="en-US" dirty="0"/>
               <a:t>payment method preferences</a:t>
             </a:r>
           </a:p>
           <a:p>
             <a:pPr lvl="1" algn="just"/>
             <a:r>
-              <a:rPr lang="en-AU" dirty="0"/>
+              <a:rPr lang="en-US" dirty="0"/>
               <a:t>economic trends and seasonality</a:t>
             </a:r>
           </a:p>
           <a:p>
             <a:pPr algn="just"/>
             <a:r>
-              <a:rPr lang="en-AU" dirty="0"/>
-              <a:t>I recommended XYZ firm to invest in Yellow Cab</a:t>
-            </a:r>
-            <a:r>
-              <a:rPr lang="pl-PL" dirty="0"/>
-              <a:t> b</a:t>
-            </a:r>
-            <a:r>
-              <a:rPr lang="en-AU" dirty="0" err="1"/>
-              <a:t>ased</a:t>
-            </a:r>
-            <a:r>
-              <a:rPr lang="en-AU" dirty="0"/>
-              <a:t> on evidence collected </a:t>
-            </a:r>
-            <a:r>
-              <a:rPr lang="pl-PL" dirty="0"/>
-              <a:t>and </a:t>
-            </a:r>
-            <a:r>
-              <a:rPr lang="pl-PL" dirty="0" err="1"/>
-              <a:t>outcome</a:t>
-            </a:r>
-            <a:r>
-              <a:rPr lang="pl-PL" dirty="0"/>
-              <a:t> of my </a:t>
-            </a:r>
-            <a:r>
-              <a:rPr lang="pl-PL" dirty="0" err="1"/>
-              <a:t>analysis</a:t>
-            </a:r>
-            <a:r>
-              <a:rPr lang="pl-PL" dirty="0"/>
-              <a:t>.</a:t>
-            </a:r>
-            <a:endParaRPr lang="en-AU" dirty="0"/>
+              <a:rPr lang="en-US" dirty="0"/>
+              <a:t>I recommended XYZ firm to invest in Yellow Cab based on evidence collected and outcome of my analysis.</a:t>
+            </a:r>
           </a:p>
           <a:p>
             <a:pPr lvl="1" algn="just"/>
-            <a:endParaRPr lang="en-AU" dirty="0"/>
+            <a:endParaRPr lang="en-US" dirty="0"/>
           </a:p>
           <a:p>
             <a:pPr lvl="1" algn="just"/>
-            <a:endParaRPr lang="en-AU" dirty="0"/>
+            <a:endParaRPr lang="en-US" dirty="0"/>
           </a:p>
           <a:p>
             <a:pPr lvl="1" algn="just"/>
-            <a:endParaRPr lang="en-AU" dirty="0"/>
+            <a:endParaRPr lang="en-US" dirty="0"/>
           </a:p>
         </p:txBody>
       </p:sp>
@@ -10288,7 +11193,7 @@
         </p:spPr>
         <p:txBody>
           <a:bodyPr vert="vert270" lIns="91440" tIns="45720" rIns="91440" bIns="45720" rtlCol="0" anchor="ctr" anchorCtr="0">
-            <a:normAutofit/>
+            <a:normAutofit fontScale="92500" lnSpcReduction="10000"/>
           </a:bodyPr>
           <a:lstStyle>
             <a:lvl1pPr algn="l" defTabSz="914400" rtl="0" eaLnBrk="1" latinLnBrk="0" hangingPunct="1">
@@ -10317,37 +11222,19 @@
                   <a:srgbClr val="FF6600"/>
                 </a:solidFill>
               </a:rPr>
-              <a:t>EDA</a:t>
-            </a:r>
-            <a:r>
-              <a:rPr lang="pl-PL" b="1" dirty="0">
+              <a:t>EDA - Hypothesis no. 1</a:t>
+            </a:r>
+          </a:p>
+          <a:p>
+            <a:pPr algn="ctr"/>
+            <a:r>
+              <a:rPr lang="en-US" b="1" dirty="0">
                 <a:solidFill>
                   <a:srgbClr val="FF6600"/>
                 </a:solidFill>
               </a:rPr>
-              <a:t> - </a:t>
-            </a:r>
-            <a:r>
-              <a:rPr lang="pl-PL" b="1" dirty="0" err="1">
-                <a:solidFill>
-                  <a:srgbClr val="FF6600"/>
-                </a:solidFill>
-              </a:rPr>
-              <a:t>Hypothesis</a:t>
-            </a:r>
-            <a:r>
-              <a:rPr lang="pl-PL" b="1" dirty="0">
-                <a:solidFill>
-                  <a:srgbClr val="FF6600"/>
-                </a:solidFill>
-              </a:rPr>
-              <a:t> no. 1  </a:t>
-            </a:r>
-            <a:endParaRPr lang="en-US" b="1" dirty="0">
-              <a:solidFill>
-                <a:srgbClr val="FF6600"/>
-              </a:solidFill>
-            </a:endParaRPr>
+              <a:t>„cab users”  </a:t>
+            </a:r>
           </a:p>
         </p:txBody>
       </p:sp>
@@ -10793,4 +11680,299 @@
     </a:ext>
   </a:extLst>
 </a:theme>
+</file>
+
+<file path=ppt/theme/theme2.xml><?xml version="1.0" encoding="utf-8"?>
+<a:theme xmlns:a="http://schemas.openxmlformats.org/drawingml/2006/main" name="Motyw pakietu Office">
+  <a:themeElements>
+    <a:clrScheme name="Pakiet Office">
+      <a:dk1>
+        <a:sysClr val="windowText" lastClr="000000"/>
+      </a:dk1>
+      <a:lt1>
+        <a:sysClr val="window" lastClr="FFFFFF"/>
+      </a:lt1>
+      <a:dk2>
+        <a:srgbClr val="44546A"/>
+      </a:dk2>
+      <a:lt2>
+        <a:srgbClr val="E7E6E6"/>
+      </a:lt2>
+      <a:accent1>
+        <a:srgbClr val="4472C4"/>
+      </a:accent1>
+      <a:accent2>
+        <a:srgbClr val="ED7D31"/>
+      </a:accent2>
+      <a:accent3>
+        <a:srgbClr val="A5A5A5"/>
+      </a:accent3>
+      <a:accent4>
+        <a:srgbClr val="FFC000"/>
+      </a:accent4>
+      <a:accent5>
+        <a:srgbClr val="5B9BD5"/>
+      </a:accent5>
+      <a:accent6>
+        <a:srgbClr val="70AD47"/>
+      </a:accent6>
+      <a:hlink>
+        <a:srgbClr val="0563C1"/>
+      </a:hlink>
+      <a:folHlink>
+        <a:srgbClr val="954F72"/>
+      </a:folHlink>
+    </a:clrScheme>
+    <a:fontScheme name="Pakiet Office">
+      <a:majorFont>
+        <a:latin typeface="Calibri Light" panose="020F0302020204030204"/>
+        <a:ea typeface=""/>
+        <a:cs typeface=""/>
+        <a:font script="Jpan" typeface="游ゴシック Light"/>
+        <a:font script="Hang" typeface="맑은 고딕"/>
+        <a:font script="Hans" typeface="等线 Light"/>
+        <a:font script="Hant" typeface="新細明體"/>
+        <a:font script="Arab" typeface="Times New Roman"/>
+        <a:font script="Hebr" typeface="Times New Roman"/>
+        <a:font script="Thai" typeface="Angsana New"/>
+        <a:font script="Ethi" typeface="Nyala"/>
+        <a:font script="Beng" typeface="Vrinda"/>
+        <a:font script="Gujr" typeface="Shruti"/>
+        <a:font script="Khmr" typeface="MoolBoran"/>
+        <a:font script="Knda" typeface="Tunga"/>
+        <a:font script="Guru" typeface="Raavi"/>
+        <a:font script="Cans" typeface="Euphemia"/>
+        <a:font script="Cher" typeface="Plantagenet Cherokee"/>
+        <a:font script="Yiii" typeface="Microsoft Yi Baiti"/>
+        <a:font script="Tibt" typeface="Microsoft Himalaya"/>
+        <a:font script="Thaa" typeface="MV Boli"/>
+        <a:font script="Deva" typeface="Mangal"/>
+        <a:font script="Telu" typeface="Gautami"/>
+        <a:font script="Taml" typeface="Latha"/>
+        <a:font script="Syrc" typeface="Estrangelo Edessa"/>
+        <a:font script="Orya" typeface="Kalinga"/>
+        <a:font script="Mlym" typeface="Kartika"/>
+        <a:font script="Laoo" typeface="DokChampa"/>
+        <a:font script="Sinh" typeface="Iskoola Pota"/>
+        <a:font script="Mong" typeface="Mongolian Baiti"/>
+        <a:font script="Viet" typeface="Times New Roman"/>
+        <a:font script="Uigh" typeface="Microsoft Uighur"/>
+        <a:font script="Geor" typeface="Sylfaen"/>
+        <a:font script="Armn" typeface="Arial"/>
+        <a:font script="Bugi" typeface="Leelawadee UI"/>
+        <a:font script="Bopo" typeface="Microsoft JhengHei"/>
+        <a:font script="Java" typeface="Javanese Text"/>
+        <a:font script="Lisu" typeface="Segoe UI"/>
+        <a:font script="Mymr" typeface="Myanmar Text"/>
+        <a:font script="Nkoo" typeface="Ebrima"/>
+        <a:font script="Olck" typeface="Nirmala UI"/>
+        <a:font script="Osma" typeface="Ebrima"/>
+        <a:font script="Phag" typeface="Phagspa"/>
+        <a:font script="Syrn" typeface="Estrangelo Edessa"/>
+        <a:font script="Syrj" typeface="Estrangelo Edessa"/>
+        <a:font script="Syre" typeface="Estrangelo Edessa"/>
+        <a:font script="Sora" typeface="Nirmala UI"/>
+        <a:font script="Tale" typeface="Microsoft Tai Le"/>
+        <a:font script="Talu" typeface="Microsoft New Tai Lue"/>
+        <a:font script="Tfng" typeface="Ebrima"/>
+      </a:majorFont>
+      <a:minorFont>
+        <a:latin typeface="Calibri" panose="020F0502020204030204"/>
+        <a:ea typeface=""/>
+        <a:cs typeface=""/>
+        <a:font script="Jpan" typeface="游ゴシック"/>
+        <a:font script="Hang" typeface="맑은 고딕"/>
+        <a:font script="Hans" typeface="等线"/>
+        <a:font script="Hant" typeface="新細明體"/>
+        <a:font script="Arab" typeface="Arial"/>
+        <a:font script="Hebr" typeface="Arial"/>
+        <a:font script="Thai" typeface="Cordia New"/>
+        <a:font script="Ethi" typeface="Nyala"/>
+        <a:font script="Beng" typeface="Vrinda"/>
+        <a:font script="Gujr" typeface="Shruti"/>
+        <a:font script="Khmr" typeface="DaunPenh"/>
+        <a:font script="Knda" typeface="Tunga"/>
+        <a:font script="Guru" typeface="Raavi"/>
+        <a:font script="Cans" typeface="Euphemia"/>
+        <a:font script="Cher" typeface="Plantagenet Cherokee"/>
+        <a:font script="Yiii" typeface="Microsoft Yi Baiti"/>
+        <a:font script="Tibt" typeface="Microsoft Himalaya"/>
+        <a:font script="Thaa" typeface="MV Boli"/>
+        <a:font script="Deva" typeface="Mangal"/>
+        <a:font script="Telu" typeface="Gautami"/>
+        <a:font script="Taml" typeface="Latha"/>
+        <a:font script="Syrc" typeface="Estrangelo Edessa"/>
+        <a:font script="Orya" typeface="Kalinga"/>
+        <a:font script="Mlym" typeface="Kartika"/>
+        <a:font script="Laoo" typeface="DokChampa"/>
+        <a:font script="Sinh" typeface="Iskoola Pota"/>
+        <a:font script="Mong" typeface="Mongolian Baiti"/>
+        <a:font script="Viet" typeface="Arial"/>
+        <a:font script="Uigh" typeface="Microsoft Uighur"/>
+        <a:font script="Geor" typeface="Sylfaen"/>
+        <a:font script="Armn" typeface="Arial"/>
+        <a:font script="Bugi" typeface="Leelawadee UI"/>
+        <a:font script="Bopo" typeface="Microsoft JhengHei"/>
+        <a:font script="Java" typeface="Javanese Text"/>
+        <a:font script="Lisu" typeface="Segoe UI"/>
+        <a:font script="Mymr" typeface="Myanmar Text"/>
+        <a:font script="Nkoo" typeface="Ebrima"/>
+        <a:font script="Olck" typeface="Nirmala UI"/>
+        <a:font script="Osma" typeface="Ebrima"/>
+        <a:font script="Phag" typeface="Phagspa"/>
+        <a:font script="Syrn" typeface="Estrangelo Edessa"/>
+        <a:font script="Syrj" typeface="Estrangelo Edessa"/>
+        <a:font script="Syre" typeface="Estrangelo Edessa"/>
+        <a:font script="Sora" typeface="Nirmala UI"/>
+        <a:font script="Tale" typeface="Microsoft Tai Le"/>
+        <a:font script="Talu" typeface="Microsoft New Tai Lue"/>
+        <a:font script="Tfng" typeface="Ebrima"/>
+      </a:minorFont>
+    </a:fontScheme>
+    <a:fmtScheme name="Pakiet Office">
+      <a:fillStyleLst>
+        <a:solidFill>
+          <a:schemeClr val="phClr"/>
+        </a:solidFill>
+        <a:gradFill rotWithShape="1">
+          <a:gsLst>
+            <a:gs pos="0">
+              <a:schemeClr val="phClr">
+                <a:lumMod val="110000"/>
+                <a:satMod val="105000"/>
+                <a:tint val="67000"/>
+              </a:schemeClr>
+            </a:gs>
+            <a:gs pos="50000">
+              <a:schemeClr val="phClr">
+                <a:lumMod val="105000"/>
+                <a:satMod val="103000"/>
+                <a:tint val="73000"/>
+              </a:schemeClr>
+            </a:gs>
+            <a:gs pos="100000">
+              <a:schemeClr val="phClr">
+                <a:lumMod val="105000"/>
+                <a:satMod val="109000"/>
+                <a:tint val="81000"/>
+              </a:schemeClr>
+            </a:gs>
+          </a:gsLst>
+          <a:lin ang="5400000" scaled="0"/>
+        </a:gradFill>
+        <a:gradFill rotWithShape="1">
+          <a:gsLst>
+            <a:gs pos="0">
+              <a:schemeClr val="phClr">
+                <a:satMod val="103000"/>
+                <a:lumMod val="102000"/>
+                <a:tint val="94000"/>
+              </a:schemeClr>
+            </a:gs>
+            <a:gs pos="50000">
+              <a:schemeClr val="phClr">
+                <a:satMod val="110000"/>
+                <a:lumMod val="100000"/>
+                <a:shade val="100000"/>
+              </a:schemeClr>
+            </a:gs>
+            <a:gs pos="100000">
+              <a:schemeClr val="phClr">
+                <a:lumMod val="99000"/>
+                <a:satMod val="120000"/>
+                <a:shade val="78000"/>
+              </a:schemeClr>
+            </a:gs>
+          </a:gsLst>
+          <a:lin ang="5400000" scaled="0"/>
+        </a:gradFill>
+      </a:fillStyleLst>
+      <a:lnStyleLst>
+        <a:ln w="6350" cap="flat" cmpd="sng" algn="ctr">
+          <a:solidFill>
+            <a:schemeClr val="phClr"/>
+          </a:solidFill>
+          <a:prstDash val="solid"/>
+          <a:miter lim="800000"/>
+        </a:ln>
+        <a:ln w="12700" cap="flat" cmpd="sng" algn="ctr">
+          <a:solidFill>
+            <a:schemeClr val="phClr"/>
+          </a:solidFill>
+          <a:prstDash val="solid"/>
+          <a:miter lim="800000"/>
+        </a:ln>
+        <a:ln w="19050" cap="flat" cmpd="sng" algn="ctr">
+          <a:solidFill>
+            <a:schemeClr val="phClr"/>
+          </a:solidFill>
+          <a:prstDash val="solid"/>
+          <a:miter lim="800000"/>
+        </a:ln>
+      </a:lnStyleLst>
+      <a:effectStyleLst>
+        <a:effectStyle>
+          <a:effectLst/>
+        </a:effectStyle>
+        <a:effectStyle>
+          <a:effectLst/>
+        </a:effectStyle>
+        <a:effectStyle>
+          <a:effectLst>
+            <a:outerShdw blurRad="57150" dist="19050" dir="5400000" algn="ctr" rotWithShape="0">
+              <a:srgbClr val="000000">
+                <a:alpha val="63000"/>
+              </a:srgbClr>
+            </a:outerShdw>
+          </a:effectLst>
+        </a:effectStyle>
+      </a:effectStyleLst>
+      <a:bgFillStyleLst>
+        <a:solidFill>
+          <a:schemeClr val="phClr"/>
+        </a:solidFill>
+        <a:solidFill>
+          <a:schemeClr val="phClr">
+            <a:tint val="95000"/>
+            <a:satMod val="170000"/>
+          </a:schemeClr>
+        </a:solidFill>
+        <a:gradFill rotWithShape="1">
+          <a:gsLst>
+            <a:gs pos="0">
+              <a:schemeClr val="phClr">
+                <a:tint val="93000"/>
+                <a:satMod val="150000"/>
+                <a:shade val="98000"/>
+                <a:lumMod val="102000"/>
+              </a:schemeClr>
+            </a:gs>
+            <a:gs pos="50000">
+              <a:schemeClr val="phClr">
+                <a:tint val="98000"/>
+                <a:satMod val="130000"/>
+                <a:shade val="90000"/>
+                <a:lumMod val="103000"/>
+              </a:schemeClr>
+            </a:gs>
+            <a:gs pos="100000">
+              <a:schemeClr val="phClr">
+                <a:shade val="63000"/>
+                <a:satMod val="120000"/>
+              </a:schemeClr>
+            </a:gs>
+          </a:gsLst>
+          <a:lin ang="5400000" scaled="0"/>
+        </a:gradFill>
+      </a:bgFillStyleLst>
+    </a:fmtScheme>
+  </a:themeElements>
+  <a:objectDefaults/>
+  <a:extraClrSchemeLst/>
+  <a:extLst>
+    <a:ext uri="{05A4C25C-085E-4340-85A3-A5531E510DB2}">
+      <thm15:themeFamily xmlns:thm15="http://schemas.microsoft.com/office/thememl/2012/main" name="Office Theme" id="{62F939B6-93AF-4DB8-9C6B-D6C7DFDC589F}" vid="{4A3C46E8-61CC-4603-A589-7422A47A8E4A}"/>
+    </a:ext>
+  </a:extLst>
+</a:theme>
 </file>